--- a/Slide.pptx
+++ b/Slide.pptx
@@ -20,6 +20,18 @@
     <p:sldId id="268" r:id="rId15"/>
     <p:sldId id="269" r:id="rId16"/>
     <p:sldId id="270" r:id="rId17"/>
+    <p:sldId id="271" r:id="rId18"/>
+    <p:sldId id="272" r:id="rId19"/>
+    <p:sldId id="273" r:id="rId20"/>
+    <p:sldId id="274" r:id="rId21"/>
+    <p:sldId id="275" r:id="rId22"/>
+    <p:sldId id="276" r:id="rId23"/>
+    <p:sldId id="277" r:id="rId24"/>
+    <p:sldId id="278" r:id="rId25"/>
+    <p:sldId id="279" r:id="rId26"/>
+    <p:sldId id="280" r:id="rId27"/>
+    <p:sldId id="281" r:id="rId28"/>
+    <p:sldId id="282" r:id="rId29"/>
   </p:sldIdLst>
   <p:sldSz cx="10080625" cy="5670550"/>
   <p:notesSz cx="7559675" cy="10691812"/>
@@ -85,7 +97,9 @@
           </a:prstGeom>
         </p:spPr>
         <p:txBody>
-          <a:bodyPr lIns="0" rIns="0" tIns="0" bIns="0" anchor="ctr"/>
+          <a:bodyPr lIns="0" rIns="0" tIns="0" bIns="0" anchor="ctr">
+            <a:noAutofit/>
+          </a:bodyPr>
           <a:p>
             <a:endParaRPr b="0" lang="en-US" sz="3570" spc="-1" strike="noStrike">
               <a:solidFill>
@@ -198,7 +212,9 @@
           </a:prstGeom>
         </p:spPr>
         <p:txBody>
-          <a:bodyPr lIns="0" rIns="0" tIns="0" bIns="0" anchor="ctr"/>
+          <a:bodyPr lIns="0" rIns="0" tIns="0" bIns="0" anchor="ctr">
+            <a:noAutofit/>
+          </a:bodyPr>
           <a:p>
             <a:endParaRPr b="0" lang="en-US" sz="3570" spc="-1" strike="noStrike">
               <a:solidFill>
@@ -371,7 +387,9 @@
           </a:prstGeom>
         </p:spPr>
         <p:txBody>
-          <a:bodyPr lIns="0" rIns="0" tIns="0" bIns="0" anchor="ctr"/>
+          <a:bodyPr lIns="0" rIns="0" tIns="0" bIns="0" anchor="ctr">
+            <a:noAutofit/>
+          </a:bodyPr>
           <a:p>
             <a:endParaRPr b="0" lang="en-US" sz="3570" spc="-1" strike="noStrike">
               <a:solidFill>
@@ -604,7 +622,9 @@
           </a:prstGeom>
         </p:spPr>
         <p:txBody>
-          <a:bodyPr lIns="0" rIns="0" tIns="0" bIns="0" anchor="ctr"/>
+          <a:bodyPr lIns="0" rIns="0" tIns="0" bIns="0" anchor="ctr">
+            <a:noAutofit/>
+          </a:bodyPr>
           <a:p>
             <a:endParaRPr b="0" lang="en-US" sz="3570" spc="-1" strike="noStrike">
               <a:solidFill>
@@ -635,7 +655,9 @@
           </a:prstGeom>
         </p:spPr>
         <p:txBody>
-          <a:bodyPr lIns="0" rIns="0" tIns="0" bIns="0" anchor="ctr"/>
+          <a:bodyPr lIns="0" rIns="0" tIns="0" bIns="0" anchor="ctr">
+            <a:noAutofit/>
+          </a:bodyPr>
           <a:p>
             <a:pPr algn="ctr"/>
             <a:endParaRPr b="0" lang="en-US" sz="3200" spc="-1" strike="noStrike">
@@ -686,7 +708,9 @@
           </a:prstGeom>
         </p:spPr>
         <p:txBody>
-          <a:bodyPr lIns="0" rIns="0" tIns="0" bIns="0" anchor="ctr"/>
+          <a:bodyPr lIns="0" rIns="0" tIns="0" bIns="0" anchor="ctr">
+            <a:noAutofit/>
+          </a:bodyPr>
           <a:p>
             <a:endParaRPr b="0" lang="en-US" sz="3570" spc="-1" strike="noStrike">
               <a:solidFill>
@@ -769,7 +793,9 @@
           </a:prstGeom>
         </p:spPr>
         <p:txBody>
-          <a:bodyPr lIns="0" rIns="0" tIns="0" bIns="0" anchor="ctr"/>
+          <a:bodyPr lIns="0" rIns="0" tIns="0" bIns="0" anchor="ctr">
+            <a:noAutofit/>
+          </a:bodyPr>
           <a:p>
             <a:endParaRPr b="0" lang="en-US" sz="3570" spc="-1" strike="noStrike">
               <a:solidFill>
@@ -882,7 +908,9 @@
           </a:prstGeom>
         </p:spPr>
         <p:txBody>
-          <a:bodyPr lIns="0" rIns="0" tIns="0" bIns="0" anchor="ctr"/>
+          <a:bodyPr lIns="0" rIns="0" tIns="0" bIns="0" anchor="ctr">
+            <a:noAutofit/>
+          </a:bodyPr>
           <a:p>
             <a:endParaRPr b="0" lang="en-US" sz="3570" spc="-1" strike="noStrike">
               <a:solidFill>
@@ -935,7 +963,9 @@
           </a:prstGeom>
         </p:spPr>
         <p:txBody>
-          <a:bodyPr lIns="0" rIns="0" tIns="0" bIns="0" anchor="ctr"/>
+          <a:bodyPr lIns="0" rIns="0" tIns="0" bIns="0" anchor="ctr">
+            <a:noAutofit/>
+          </a:bodyPr>
           <a:p>
             <a:pPr algn="ctr"/>
             <a:endParaRPr b="0" lang="en-US" sz="3200" spc="-1" strike="noStrike">
@@ -986,7 +1016,9 @@
           </a:prstGeom>
         </p:spPr>
         <p:txBody>
-          <a:bodyPr lIns="0" rIns="0" tIns="0" bIns="0" anchor="ctr"/>
+          <a:bodyPr lIns="0" rIns="0" tIns="0" bIns="0" anchor="ctr">
+            <a:noAutofit/>
+          </a:bodyPr>
           <a:p>
             <a:endParaRPr b="0" lang="en-US" sz="3570" spc="-1" strike="noStrike">
               <a:solidFill>
@@ -1129,7 +1161,9 @@
           </a:prstGeom>
         </p:spPr>
         <p:txBody>
-          <a:bodyPr lIns="0" rIns="0" tIns="0" bIns="0" anchor="ctr"/>
+          <a:bodyPr lIns="0" rIns="0" tIns="0" bIns="0" anchor="ctr">
+            <a:noAutofit/>
+          </a:bodyPr>
           <a:p>
             <a:endParaRPr b="0" lang="en-US" sz="3570" spc="-1" strike="noStrike">
               <a:solidFill>
@@ -1272,7 +1306,9 @@
           </a:prstGeom>
         </p:spPr>
         <p:txBody>
-          <a:bodyPr lIns="0" rIns="0" tIns="0" bIns="0" anchor="ctr"/>
+          <a:bodyPr lIns="0" rIns="0" tIns="0" bIns="0" anchor="ctr">
+            <a:noAutofit/>
+          </a:bodyPr>
           <a:p>
             <a:endParaRPr b="0" lang="en-US" sz="3570" spc="-1" strike="noStrike">
               <a:solidFill>
@@ -1438,7 +1474,9 @@
           </a:prstGeom>
         </p:spPr>
         <p:txBody>
-          <a:bodyPr lIns="0" rIns="0" tIns="0" bIns="0" anchor="ctr"/>
+          <a:bodyPr lIns="0" rIns="0" tIns="0" bIns="0" anchor="ctr">
+            <a:noAutofit/>
+          </a:bodyPr>
           <a:p>
             <a:r>
               <a:rPr b="0" lang="en-US" sz="3570" spc="-1" strike="noStrike">
@@ -1657,7 +1695,9 @@
           </a:prstGeom>
         </p:spPr>
         <p:txBody>
-          <a:bodyPr lIns="0" rIns="0" tIns="0" bIns="0"/>
+          <a:bodyPr lIns="0" rIns="0" tIns="0" bIns="0">
+            <a:noAutofit/>
+          </a:bodyPr>
           <a:p>
             <a:r>
               <a:rPr b="0" lang="en-US" sz="1400" spc="-1" strike="noStrike">
@@ -1691,7 +1731,9 @@
           </a:prstGeom>
         </p:spPr>
         <p:txBody>
-          <a:bodyPr lIns="0" rIns="0" tIns="0" bIns="0"/>
+          <a:bodyPr lIns="0" rIns="0" tIns="0" bIns="0">
+            <a:noAutofit/>
+          </a:bodyPr>
           <a:p>
             <a:pPr algn="ctr"/>
             <a:r>
@@ -1726,10 +1768,12 @@
           </a:prstGeom>
         </p:spPr>
         <p:txBody>
-          <a:bodyPr lIns="0" rIns="0" tIns="0" bIns="0"/>
+          <a:bodyPr lIns="0" rIns="0" tIns="0" bIns="0">
+            <a:noAutofit/>
+          </a:bodyPr>
           <a:p>
             <a:pPr algn="r"/>
-            <a:fld id="{28EA6A0F-0887-4DAC-BDEA-6B0B054D2353}" type="slidenum">
+            <a:fld id="{EEFA3114-348B-4978-93F9-88D1B66AD878}" type="slidenum">
               <a:rPr b="0" lang="en-US" sz="1400" spc="-1" strike="noStrike">
                 <a:latin typeface="Arial"/>
               </a:rPr>
@@ -1798,7 +1842,9 @@
           </a:ln>
         </p:spPr>
         <p:txBody>
-          <a:bodyPr lIns="0" rIns="0" tIns="0" bIns="0" anchor="ctr"/>
+          <a:bodyPr lIns="0" rIns="0" tIns="0" bIns="0" anchor="ctr">
+            <a:noAutofit/>
+          </a:bodyPr>
           <a:p>
             <a:pPr algn="ctr"/>
             <a:endParaRPr b="0" lang="en-US" sz="3200" spc="-1" strike="noStrike">
@@ -1899,7 +1945,9 @@
           </a:ln>
         </p:spPr>
         <p:txBody>
-          <a:bodyPr lIns="0" rIns="0" tIns="0" bIns="0" anchor="ctr"/>
+          <a:bodyPr lIns="0" rIns="0" tIns="0" bIns="0" anchor="ctr">
+            <a:noAutofit/>
+          </a:bodyPr>
           <a:p>
             <a:endParaRPr b="0" lang="en-US" sz="3570" spc="-1" strike="noStrike">
               <a:solidFill>
@@ -1912,6 +1960,14 @@
       </p:sp>
     </p:spTree>
   </p:cSld>
+  <mc:AlternateContent>
+    <mc:Choice Requires="p14">
+      <p:transition spd="slow" p14:dur="2000"/>
+    </mc:Choice>
+    <mc:Fallback>
+      <p:transition spd="slow"/>
+    </mc:Fallback>
+  </mc:AlternateContent>
 </p:sld>
 </file>
 
@@ -1952,7 +2008,9 @@
           </a:ln>
         </p:spPr>
         <p:txBody>
-          <a:bodyPr lIns="0" rIns="0" tIns="0" bIns="0" anchor="ctr"/>
+          <a:bodyPr lIns="0" rIns="0" tIns="0" bIns="0" anchor="ctr">
+            <a:noAutofit/>
+          </a:bodyPr>
           <a:p>
             <a:r>
               <a:rPr b="0" lang="en-US" sz="3570" spc="-1" strike="noStrike">
@@ -2121,6 +2179,14 @@
       </p:sp>
     </p:spTree>
   </p:cSld>
+  <mc:AlternateContent>
+    <mc:Choice Requires="p14">
+      <p:transition spd="slow" p14:dur="2000"/>
+    </mc:Choice>
+    <mc:Fallback>
+      <p:transition spd="slow"/>
+    </mc:Fallback>
+  </mc:AlternateContent>
 </p:sld>
 </file>
 
@@ -2161,7 +2227,9 @@
           </a:ln>
         </p:spPr>
         <p:txBody>
-          <a:bodyPr lIns="0" rIns="0" tIns="0" bIns="0" anchor="ctr"/>
+          <a:bodyPr lIns="0" rIns="0" tIns="0" bIns="0" anchor="ctr">
+            <a:noAutofit/>
+          </a:bodyPr>
           <a:p>
             <a:r>
               <a:rPr b="0" lang="en-US" sz="3570" spc="-1" strike="noStrike">
@@ -2338,6 +2406,14 @@
       </p:pic>
     </p:spTree>
   </p:cSld>
+  <mc:AlternateContent>
+    <mc:Choice Requires="p14">
+      <p:transition spd="slow" p14:dur="2000"/>
+    </mc:Choice>
+    <mc:Fallback>
+      <p:transition spd="slow"/>
+    </mc:Fallback>
+  </mc:AlternateContent>
 </p:sld>
 </file>
 
@@ -2378,7 +2454,9 @@
           </a:ln>
         </p:spPr>
         <p:txBody>
-          <a:bodyPr lIns="0" rIns="0" tIns="0" bIns="0" anchor="ctr"/>
+          <a:bodyPr lIns="0" rIns="0" tIns="0" bIns="0" anchor="ctr">
+            <a:noAutofit/>
+          </a:bodyPr>
           <a:p>
             <a:r>
               <a:rPr b="0" lang="en-US" sz="3570" spc="-1" strike="noStrike">
@@ -2536,6 +2614,14 @@
       </p:pic>
     </p:spTree>
   </p:cSld>
+  <mc:AlternateContent>
+    <mc:Choice Requires="p14">
+      <p:transition spd="slow" p14:dur="2000"/>
+    </mc:Choice>
+    <mc:Fallback>
+      <p:transition spd="slow"/>
+    </mc:Fallback>
+  </mc:AlternateContent>
 </p:sld>
 </file>
 
@@ -2576,7 +2662,9 @@
           </a:ln>
         </p:spPr>
         <p:txBody>
-          <a:bodyPr lIns="0" rIns="0" tIns="0" bIns="0" anchor="ctr"/>
+          <a:bodyPr lIns="0" rIns="0" tIns="0" bIns="0" anchor="ctr">
+            <a:noAutofit/>
+          </a:bodyPr>
           <a:p>
             <a:r>
               <a:rPr b="0" lang="en-US" sz="3570" spc="-1" strike="noStrike">
@@ -2896,6 +2984,14 @@
       </p:pic>
     </p:spTree>
   </p:cSld>
+  <mc:AlternateContent>
+    <mc:Choice Requires="p14">
+      <p:transition spd="slow" p14:dur="2000"/>
+    </mc:Choice>
+    <mc:Fallback>
+      <p:transition spd="slow"/>
+    </mc:Fallback>
+  </mc:AlternateContent>
 </p:sld>
 </file>
 
@@ -2936,7 +3032,9 @@
           </a:ln>
         </p:spPr>
         <p:txBody>
-          <a:bodyPr lIns="0" rIns="0" tIns="0" bIns="0" anchor="ctr"/>
+          <a:bodyPr lIns="0" rIns="0" tIns="0" bIns="0" anchor="ctr">
+            <a:noAutofit/>
+          </a:bodyPr>
           <a:p>
             <a:r>
               <a:rPr b="0" lang="en-US" sz="3570" spc="-1" strike="noStrike">
@@ -3284,6 +3382,14 @@
       </p:pic>
     </p:spTree>
   </p:cSld>
+  <mc:AlternateContent>
+    <mc:Choice Requires="p14">
+      <p:transition spd="slow" p14:dur="2000"/>
+    </mc:Choice>
+    <mc:Fallback>
+      <p:transition spd="slow"/>
+    </mc:Fallback>
+  </mc:AlternateContent>
 </p:sld>
 </file>
 
@@ -3324,7 +3430,9 @@
           </a:ln>
         </p:spPr>
         <p:txBody>
-          <a:bodyPr lIns="0" rIns="0" tIns="0" bIns="0" anchor="ctr"/>
+          <a:bodyPr lIns="0" rIns="0" tIns="0" bIns="0" anchor="ctr">
+            <a:noAutofit/>
+          </a:bodyPr>
           <a:p>
             <a:r>
               <a:rPr b="0" lang="en-US" sz="3570" spc="-1" strike="noStrike">
@@ -3555,6 +3663,575 @@
       </p:pic>
     </p:spTree>
   </p:cSld>
+  <mc:AlternateContent>
+    <mc:Choice Requires="p14">
+      <p:transition spd="slow" p14:dur="2000"/>
+    </mc:Choice>
+    <mc:Fallback>
+      <p:transition spd="slow"/>
+    </mc:Fallback>
+  </mc:AlternateContent>
+</p:sld>
+</file>
+
+<file path=ppt/slides/slide16.xml><?xml version="1.0" encoding="utf-8"?>
+<p:sld xmlns:a="http://schemas.openxmlformats.org/drawingml/2006/main" xmlns:p="http://schemas.openxmlformats.org/presentationml/2006/main" xmlns:r="http://schemas.openxmlformats.org/officeDocument/2006/relationships" xmlns:p14="http://schemas.microsoft.com/office/powerpoint/2010/main" xmlns:p15="http://schemas.microsoft.com/office/powerpoint/2012/main" xmlns:mc="http://schemas.openxmlformats.org/markup-compatibility/2006">
+  <p:cSld>
+    <p:spTree>
+      <p:nvGrpSpPr>
+        <p:cNvPr id="1" name=""/>
+        <p:cNvGrpSpPr/>
+        <p:nvPr/>
+      </p:nvGrpSpPr>
+      <p:grpSpPr>
+        <a:xfrm>
+          <a:off x="0" y="0"/>
+          <a:ext cx="0" cy="0"/>
+          <a:chOff x="0" y="0"/>
+          <a:chExt cx="0" cy="0"/>
+        </a:xfrm>
+      </p:grpSpPr>
+      <p:sp>
+        <p:nvSpPr>
+          <p:cNvPr id="103" name="TextShape 1"/>
+          <p:cNvSpPr txBox="1"/>
+          <p:nvPr/>
+        </p:nvSpPr>
+        <p:spPr>
+          <a:xfrm>
+            <a:off x="504000" y="216000"/>
+            <a:ext cx="7020000" cy="936000"/>
+          </a:xfrm>
+          <a:prstGeom prst="rect">
+            <a:avLst/>
+          </a:prstGeom>
+          <a:noFill/>
+          <a:ln>
+            <a:noFill/>
+          </a:ln>
+        </p:spPr>
+        <p:txBody>
+          <a:bodyPr lIns="0" rIns="0" tIns="0" bIns="0" anchor="ctr">
+            <a:noAutofit/>
+          </a:bodyPr>
+          <a:p>
+            <a:r>
+              <a:rPr b="0" lang="en-US" sz="3570" spc="-1" strike="noStrike">
+                <a:solidFill>
+                  <a:srgbClr val="ffffff"/>
+                </a:solidFill>
+                <a:latin typeface="Arial"/>
+              </a:rPr>
+              <a:t>Ví dụ: </a:t>
+            </a:r>
+            <a:r>
+              <a:rPr b="0" lang="en-US" sz="3570" spc="-1" strike="noStrike">
+                <a:solidFill>
+                  <a:srgbClr val="ffffff"/>
+                </a:solidFill>
+                <a:latin typeface="Arial"/>
+              </a:rPr>
+              <a:t>Sentiment Analysis</a:t>
+            </a:r>
+            <a:endParaRPr b="0" lang="en-US" sz="3570" spc="-1" strike="noStrike">
+              <a:solidFill>
+                <a:srgbClr val="ffffff"/>
+              </a:solidFill>
+              <a:latin typeface="Arial"/>
+            </a:endParaRPr>
+          </a:p>
+        </p:txBody>
+      </p:sp>
+      <p:pic>
+        <p:nvPicPr>
+          <p:cNvPr id="104" name="" descr=""/>
+          <p:cNvPicPr/>
+          <p:nvPr/>
+        </p:nvPicPr>
+        <p:blipFill>
+          <a:blip r:embed="rId1"/>
+          <a:stretch/>
+        </p:blipFill>
+        <p:spPr>
+          <a:xfrm>
+            <a:off x="1280160" y="1280160"/>
+            <a:ext cx="7040880" cy="4127400"/>
+          </a:xfrm>
+          <a:prstGeom prst="rect">
+            <a:avLst/>
+          </a:prstGeom>
+          <a:ln>
+            <a:noFill/>
+          </a:ln>
+        </p:spPr>
+      </p:pic>
+    </p:spTree>
+  </p:cSld>
+  <mc:AlternateContent>
+    <mc:Choice Requires="p14">
+      <p:transition spd="slow" p14:dur="2000"/>
+    </mc:Choice>
+    <mc:Fallback>
+      <p:transition spd="slow"/>
+    </mc:Fallback>
+  </mc:AlternateContent>
+</p:sld>
+</file>
+
+<file path=ppt/slides/slide17.xml><?xml version="1.0" encoding="utf-8"?>
+<p:sld xmlns:a="http://schemas.openxmlformats.org/drawingml/2006/main" xmlns:p="http://schemas.openxmlformats.org/presentationml/2006/main" xmlns:r="http://schemas.openxmlformats.org/officeDocument/2006/relationships" xmlns:p14="http://schemas.microsoft.com/office/powerpoint/2010/main" xmlns:p15="http://schemas.microsoft.com/office/powerpoint/2012/main" xmlns:mc="http://schemas.openxmlformats.org/markup-compatibility/2006">
+  <p:cSld>
+    <p:spTree>
+      <p:nvGrpSpPr>
+        <p:cNvPr id="1" name=""/>
+        <p:cNvGrpSpPr/>
+        <p:nvPr/>
+      </p:nvGrpSpPr>
+      <p:grpSpPr>
+        <a:xfrm>
+          <a:off x="0" y="0"/>
+          <a:ext cx="0" cy="0"/>
+          <a:chOff x="0" y="0"/>
+          <a:chExt cx="0" cy="0"/>
+        </a:xfrm>
+      </p:grpSpPr>
+      <p:sp>
+        <p:nvSpPr>
+          <p:cNvPr id="105" name="TextShape 1"/>
+          <p:cNvSpPr txBox="1"/>
+          <p:nvPr/>
+        </p:nvSpPr>
+        <p:spPr>
+          <a:xfrm>
+            <a:off x="504000" y="216000"/>
+            <a:ext cx="7020000" cy="936000"/>
+          </a:xfrm>
+          <a:prstGeom prst="rect">
+            <a:avLst/>
+          </a:prstGeom>
+          <a:noFill/>
+          <a:ln>
+            <a:noFill/>
+          </a:ln>
+        </p:spPr>
+        <p:txBody>
+          <a:bodyPr lIns="0" rIns="0" tIns="0" bIns="0" anchor="ctr">
+            <a:noAutofit/>
+          </a:bodyPr>
+          <a:p>
+            <a:r>
+              <a:rPr b="0" lang="en-US" sz="3570" spc="-1" strike="noStrike">
+                <a:solidFill>
+                  <a:srgbClr val="ffffff"/>
+                </a:solidFill>
+                <a:latin typeface="Arial"/>
+              </a:rPr>
+              <a:t>Sentiment Analysis</a:t>
+            </a:r>
+            <a:endParaRPr b="0" lang="en-US" sz="3570" spc="-1" strike="noStrike">
+              <a:solidFill>
+                <a:srgbClr val="ffffff"/>
+              </a:solidFill>
+              <a:latin typeface="Arial"/>
+            </a:endParaRPr>
+          </a:p>
+        </p:txBody>
+      </p:sp>
+      <p:pic>
+        <p:nvPicPr>
+          <p:cNvPr id="106" name="" descr=""/>
+          <p:cNvPicPr/>
+          <p:nvPr/>
+        </p:nvPicPr>
+        <p:blipFill>
+          <a:blip r:embed="rId1"/>
+          <a:stretch/>
+        </p:blipFill>
+        <p:spPr>
+          <a:xfrm>
+            <a:off x="2011680" y="1368000"/>
+            <a:ext cx="5577840" cy="4205160"/>
+          </a:xfrm>
+          <a:prstGeom prst="rect">
+            <a:avLst/>
+          </a:prstGeom>
+          <a:ln>
+            <a:noFill/>
+          </a:ln>
+        </p:spPr>
+      </p:pic>
+    </p:spTree>
+  </p:cSld>
+  <mc:AlternateContent>
+    <mc:Choice Requires="p14">
+      <p:transition spd="slow" p14:dur="2000"/>
+    </mc:Choice>
+    <mc:Fallback>
+      <p:transition spd="slow"/>
+    </mc:Fallback>
+  </mc:AlternateContent>
+</p:sld>
+</file>
+
+<file path=ppt/slides/slide18.xml><?xml version="1.0" encoding="utf-8"?>
+<p:sld xmlns:a="http://schemas.openxmlformats.org/drawingml/2006/main" xmlns:p="http://schemas.openxmlformats.org/presentationml/2006/main" xmlns:r="http://schemas.openxmlformats.org/officeDocument/2006/relationships" xmlns:p14="http://schemas.microsoft.com/office/powerpoint/2010/main" xmlns:p15="http://schemas.microsoft.com/office/powerpoint/2012/main" xmlns:mc="http://schemas.openxmlformats.org/markup-compatibility/2006">
+  <p:cSld>
+    <p:spTree>
+      <p:nvGrpSpPr>
+        <p:cNvPr id="1" name=""/>
+        <p:cNvGrpSpPr/>
+        <p:nvPr/>
+      </p:nvGrpSpPr>
+      <p:grpSpPr>
+        <a:xfrm>
+          <a:off x="0" y="0"/>
+          <a:ext cx="0" cy="0"/>
+          <a:chOff x="0" y="0"/>
+          <a:chExt cx="0" cy="0"/>
+        </a:xfrm>
+      </p:grpSpPr>
+      <p:sp>
+        <p:nvSpPr>
+          <p:cNvPr id="107" name="TextShape 1"/>
+          <p:cNvSpPr txBox="1"/>
+          <p:nvPr/>
+        </p:nvSpPr>
+        <p:spPr>
+          <a:xfrm>
+            <a:off x="504000" y="216000"/>
+            <a:ext cx="7020000" cy="936000"/>
+          </a:xfrm>
+          <a:prstGeom prst="rect">
+            <a:avLst/>
+          </a:prstGeom>
+          <a:noFill/>
+          <a:ln>
+            <a:noFill/>
+          </a:ln>
+        </p:spPr>
+        <p:txBody>
+          <a:bodyPr lIns="0" rIns="0" tIns="0" bIns="0" anchor="ctr">
+            <a:noAutofit/>
+          </a:bodyPr>
+          <a:p>
+            <a:r>
+              <a:rPr b="0" lang="en-US" sz="3570" spc="-1" strike="noStrike">
+                <a:solidFill>
+                  <a:srgbClr val="ffffff"/>
+                </a:solidFill>
+                <a:latin typeface="Arial"/>
+              </a:rPr>
+              <a:t>Ví dụ: Period Disambiguation</a:t>
+            </a:r>
+            <a:endParaRPr b="0" lang="en-US" sz="3570" spc="-1" strike="noStrike">
+              <a:solidFill>
+                <a:srgbClr val="ffffff"/>
+              </a:solidFill>
+              <a:latin typeface="Arial"/>
+            </a:endParaRPr>
+          </a:p>
+        </p:txBody>
+      </p:sp>
+      <p:pic>
+        <p:nvPicPr>
+          <p:cNvPr id="108" name="" descr=""/>
+          <p:cNvPicPr/>
+          <p:nvPr/>
+        </p:nvPicPr>
+        <p:blipFill>
+          <a:blip r:embed="rId1"/>
+          <a:stretch/>
+        </p:blipFill>
+        <p:spPr>
+          <a:xfrm>
+            <a:off x="1920240" y="1326600"/>
+            <a:ext cx="6544800" cy="4159800"/>
+          </a:xfrm>
+          <a:prstGeom prst="rect">
+            <a:avLst/>
+          </a:prstGeom>
+          <a:ln>
+            <a:noFill/>
+          </a:ln>
+        </p:spPr>
+      </p:pic>
+    </p:spTree>
+  </p:cSld>
+  <mc:AlternateContent>
+    <mc:Choice Requires="p14">
+      <p:transition spd="slow" p14:dur="2000"/>
+    </mc:Choice>
+    <mc:Fallback>
+      <p:transition spd="slow"/>
+    </mc:Fallback>
+  </mc:AlternateContent>
+</p:sld>
+</file>
+
+<file path=ppt/slides/slide19.xml><?xml version="1.0" encoding="utf-8"?>
+<p:sld xmlns:a="http://schemas.openxmlformats.org/drawingml/2006/main" xmlns:p="http://schemas.openxmlformats.org/presentationml/2006/main" xmlns:r="http://schemas.openxmlformats.org/officeDocument/2006/relationships" xmlns:p14="http://schemas.microsoft.com/office/powerpoint/2010/main" xmlns:p15="http://schemas.microsoft.com/office/powerpoint/2012/main" xmlns:mc="http://schemas.openxmlformats.org/markup-compatibility/2006">
+  <p:cSld>
+    <p:spTree>
+      <p:nvGrpSpPr>
+        <p:cNvPr id="1" name=""/>
+        <p:cNvGrpSpPr/>
+        <p:nvPr/>
+      </p:nvGrpSpPr>
+      <p:grpSpPr>
+        <a:xfrm>
+          <a:off x="0" y="0"/>
+          <a:ext cx="0" cy="0"/>
+          <a:chOff x="0" y="0"/>
+          <a:chExt cx="0" cy="0"/>
+        </a:xfrm>
+      </p:grpSpPr>
+      <p:sp>
+        <p:nvSpPr>
+          <p:cNvPr id="109" name="TextShape 1"/>
+          <p:cNvSpPr txBox="1"/>
+          <p:nvPr/>
+        </p:nvSpPr>
+        <p:spPr>
+          <a:xfrm>
+            <a:off x="504000" y="216000"/>
+            <a:ext cx="7020000" cy="936000"/>
+          </a:xfrm>
+          <a:prstGeom prst="rect">
+            <a:avLst/>
+          </a:prstGeom>
+          <a:noFill/>
+          <a:ln>
+            <a:noFill/>
+          </a:ln>
+        </p:spPr>
+        <p:txBody>
+          <a:bodyPr lIns="0" rIns="0" tIns="0" bIns="0" anchor="ctr">
+            <a:noAutofit/>
+          </a:bodyPr>
+          <a:p>
+            <a:r>
+              <a:rPr b="0" lang="en-US" sz="3570" spc="-1" strike="noStrike">
+                <a:solidFill>
+                  <a:srgbClr val="ffffff"/>
+                </a:solidFill>
+                <a:latin typeface="Arial"/>
+              </a:rPr>
+              <a:t>Project</a:t>
+            </a:r>
+            <a:endParaRPr b="0" lang="en-US" sz="3570" spc="-1" strike="noStrike">
+              <a:solidFill>
+                <a:srgbClr val="ffffff"/>
+              </a:solidFill>
+              <a:latin typeface="Arial"/>
+            </a:endParaRPr>
+          </a:p>
+        </p:txBody>
+      </p:sp>
+      <p:sp>
+        <p:nvSpPr>
+          <p:cNvPr id="110" name="TextShape 2"/>
+          <p:cNvSpPr txBox="1"/>
+          <p:nvPr/>
+        </p:nvSpPr>
+        <p:spPr>
+          <a:xfrm>
+            <a:off x="504000" y="1368000"/>
+            <a:ext cx="9072000" cy="3288240"/>
+          </a:xfrm>
+          <a:prstGeom prst="rect">
+            <a:avLst/>
+          </a:prstGeom>
+          <a:noFill/>
+          <a:ln>
+            <a:noFill/>
+          </a:ln>
+        </p:spPr>
+        <p:txBody>
+          <a:bodyPr lIns="0" rIns="0" tIns="0" bIns="0">
+            <a:normAutofit/>
+          </a:bodyPr>
+          <a:p>
+            <a:pPr marL="432000" indent="-324000">
+              <a:spcAft>
+                <a:spcPts val="1148"/>
+              </a:spcAft>
+              <a:buClr>
+                <a:srgbClr val="000000"/>
+              </a:buClr>
+              <a:buSzPct val="45000"/>
+              <a:buFont typeface="Wingdings" charset="2"/>
+              <a:buChar char=""/>
+            </a:pPr>
+            <a:r>
+              <a:rPr b="0" lang="en-US" sz="2600" spc="-1" strike="noStrike">
+                <a:latin typeface="Arial"/>
+              </a:rPr>
+              <a:t>Sentiment Analysis of Product Reviews:</a:t>
+            </a:r>
+            <a:endParaRPr b="0" lang="en-US" sz="2600" spc="-1" strike="noStrike">
+              <a:latin typeface="Arial"/>
+            </a:endParaRPr>
+          </a:p>
+          <a:p>
+            <a:pPr lvl="1" marL="864000" indent="-324000">
+              <a:spcAft>
+                <a:spcPts val="918"/>
+              </a:spcAft>
+              <a:buClr>
+                <a:srgbClr val="000000"/>
+              </a:buClr>
+              <a:buSzPct val="75000"/>
+              <a:buFont typeface="Symbol" charset="2"/>
+              <a:buChar char=""/>
+            </a:pPr>
+            <a:r>
+              <a:rPr b="0" lang="en-US" sz="2280" spc="-1" strike="noStrike">
+                <a:latin typeface="Arial"/>
+              </a:rPr>
+              <a:t>Tiếng Anh: </a:t>
+            </a:r>
+            <a:endParaRPr b="0" lang="en-US" sz="2280" spc="-1" strike="noStrike">
+              <a:latin typeface="Arial"/>
+            </a:endParaRPr>
+          </a:p>
+          <a:p>
+            <a:pPr lvl="2" marL="1296000" indent="-288000">
+              <a:spcAft>
+                <a:spcPts val="689"/>
+              </a:spcAft>
+              <a:buClr>
+                <a:srgbClr val="000000"/>
+              </a:buClr>
+              <a:buSzPct val="45000"/>
+              <a:buFont typeface="Wingdings" charset="2"/>
+              <a:buChar char=""/>
+            </a:pPr>
+            <a:r>
+              <a:rPr b="0" lang="en-US" sz="1950" spc="-1" strike="noStrike">
+                <a:latin typeface="Arial"/>
+              </a:rPr>
+              <a:t>Đánh giá nhận xét của khán giả trên trang IMDB</a:t>
+            </a:r>
+            <a:endParaRPr b="0" lang="en-US" sz="1950" spc="-1" strike="noStrike">
+              <a:latin typeface="Arial"/>
+            </a:endParaRPr>
+          </a:p>
+          <a:p>
+            <a:pPr lvl="2" marL="1296000" indent="-288000">
+              <a:spcAft>
+                <a:spcPts val="689"/>
+              </a:spcAft>
+              <a:buClr>
+                <a:srgbClr val="000000"/>
+              </a:buClr>
+              <a:buSzPct val="45000"/>
+              <a:buFont typeface="Wingdings" charset="2"/>
+              <a:buChar char=""/>
+            </a:pPr>
+            <a:r>
+              <a:rPr b="0" lang="en-US" sz="1950" spc="-1" strike="noStrike">
+                <a:latin typeface="Arial"/>
+              </a:rPr>
+              <a:t>Dataset aclImdb</a:t>
+            </a:r>
+            <a:endParaRPr b="0" lang="en-US" sz="1950" spc="-1" strike="noStrike">
+              <a:latin typeface="Arial"/>
+            </a:endParaRPr>
+          </a:p>
+          <a:p>
+            <a:pPr lvl="1" marL="864000" indent="-324000">
+              <a:spcAft>
+                <a:spcPts val="918"/>
+              </a:spcAft>
+              <a:buClr>
+                <a:srgbClr val="000000"/>
+              </a:buClr>
+              <a:buSzPct val="75000"/>
+              <a:buFont typeface="Symbol" charset="2"/>
+              <a:buChar char=""/>
+            </a:pPr>
+            <a:r>
+              <a:rPr b="0" lang="en-US" sz="2280" spc="-1" strike="noStrike">
+                <a:latin typeface="Arial"/>
+              </a:rPr>
+              <a:t>Tiếng Việt:</a:t>
+            </a:r>
+            <a:endParaRPr b="0" lang="en-US" sz="2280" spc="-1" strike="noStrike">
+              <a:latin typeface="Arial"/>
+            </a:endParaRPr>
+          </a:p>
+          <a:p>
+            <a:pPr lvl="2" marL="1296000" indent="-288000">
+              <a:spcAft>
+                <a:spcPts val="689"/>
+              </a:spcAft>
+              <a:buClr>
+                <a:srgbClr val="000000"/>
+              </a:buClr>
+              <a:buSzPct val="45000"/>
+              <a:buFont typeface="Wingdings" charset="2"/>
+              <a:buChar char=""/>
+            </a:pPr>
+            <a:r>
+              <a:rPr b="0" lang="en-US" sz="1950" spc="-1" strike="noStrike">
+                <a:latin typeface="Arial"/>
+              </a:rPr>
+              <a:t>Đánh giá nhận xét của người mua trên trang web thương mại điện tử</a:t>
+            </a:r>
+            <a:endParaRPr b="0" lang="en-US" sz="1950" spc="-1" strike="noStrike">
+              <a:latin typeface="Arial"/>
+            </a:endParaRPr>
+          </a:p>
+          <a:p>
+            <a:pPr lvl="2" marL="1296000" indent="-288000">
+              <a:spcAft>
+                <a:spcPts val="689"/>
+              </a:spcAft>
+              <a:buClr>
+                <a:srgbClr val="000000"/>
+              </a:buClr>
+              <a:buSzPct val="45000"/>
+              <a:buFont typeface="Wingdings" charset="2"/>
+              <a:buChar char=""/>
+            </a:pPr>
+            <a:r>
+              <a:rPr b="0" lang="en-US" sz="1950" spc="-1" strike="noStrike">
+                <a:latin typeface="Arial"/>
+              </a:rPr>
+              <a:t>Dataset VLSP 2016</a:t>
+            </a:r>
+            <a:endParaRPr b="0" lang="en-US" sz="1950" spc="-1" strike="noStrike">
+              <a:latin typeface="Arial"/>
+            </a:endParaRPr>
+          </a:p>
+          <a:p>
+            <a:pPr lvl="1" marL="864000" indent="-324000">
+              <a:spcAft>
+                <a:spcPts val="918"/>
+              </a:spcAft>
+              <a:buClr>
+                <a:srgbClr val="000000"/>
+              </a:buClr>
+              <a:buSzPct val="75000"/>
+              <a:buFont typeface="Symbol" charset="2"/>
+              <a:buChar char=""/>
+            </a:pPr>
+            <a:endParaRPr b="0" lang="en-US" sz="1950" spc="-1" strike="noStrike">
+              <a:latin typeface="Arial"/>
+            </a:endParaRPr>
+          </a:p>
+        </p:txBody>
+      </p:sp>
+    </p:spTree>
+  </p:cSld>
+  <mc:AlternateContent>
+    <mc:Choice Requires="p14">
+      <p:transition spd="slow" p14:dur="2000"/>
+    </mc:Choice>
+    <mc:Fallback>
+      <p:transition spd="slow"/>
+    </mc:Fallback>
+  </mc:AlternateContent>
 </p:sld>
 </file>
 
@@ -3595,7 +4272,9 @@
           </a:ln>
         </p:spPr>
         <p:txBody>
-          <a:bodyPr lIns="0" rIns="0" tIns="0" bIns="0" anchor="ctr"/>
+          <a:bodyPr lIns="0" rIns="0" tIns="0" bIns="0" anchor="ctr">
+            <a:noAutofit/>
+          </a:bodyPr>
           <a:p>
             <a:r>
               <a:rPr b="0" lang="en-US" sz="3570" spc="-1" strike="noStrike">
@@ -3812,6 +4491,1914 @@
       </p:sp>
     </p:spTree>
   </p:cSld>
+  <mc:AlternateContent>
+    <mc:Choice Requires="p14">
+      <p:transition spd="slow" p14:dur="2000"/>
+    </mc:Choice>
+    <mc:Fallback>
+      <p:transition spd="slow"/>
+    </mc:Fallback>
+  </mc:AlternateContent>
+</p:sld>
+</file>
+
+<file path=ppt/slides/slide20.xml><?xml version="1.0" encoding="utf-8"?>
+<p:sld xmlns:a="http://schemas.openxmlformats.org/drawingml/2006/main" xmlns:p="http://schemas.openxmlformats.org/presentationml/2006/main" xmlns:r="http://schemas.openxmlformats.org/officeDocument/2006/relationships" xmlns:p14="http://schemas.microsoft.com/office/powerpoint/2010/main" xmlns:p15="http://schemas.microsoft.com/office/powerpoint/2012/main" xmlns:mc="http://schemas.openxmlformats.org/markup-compatibility/2006">
+  <p:cSld>
+    <p:spTree>
+      <p:nvGrpSpPr>
+        <p:cNvPr id="1" name=""/>
+        <p:cNvGrpSpPr/>
+        <p:nvPr/>
+      </p:nvGrpSpPr>
+      <p:grpSpPr>
+        <a:xfrm>
+          <a:off x="0" y="0"/>
+          <a:ext cx="0" cy="0"/>
+          <a:chOff x="0" y="0"/>
+          <a:chExt cx="0" cy="0"/>
+        </a:xfrm>
+      </p:grpSpPr>
+      <p:sp>
+        <p:nvSpPr>
+          <p:cNvPr id="111" name="TextShape 1"/>
+          <p:cNvSpPr txBox="1"/>
+          <p:nvPr/>
+        </p:nvSpPr>
+        <p:spPr>
+          <a:xfrm>
+            <a:off x="504000" y="216000"/>
+            <a:ext cx="7020000" cy="936000"/>
+          </a:xfrm>
+          <a:prstGeom prst="rect">
+            <a:avLst/>
+          </a:prstGeom>
+          <a:noFill/>
+          <a:ln>
+            <a:noFill/>
+          </a:ln>
+        </p:spPr>
+        <p:txBody>
+          <a:bodyPr lIns="0" rIns="0" tIns="0" bIns="0" anchor="ctr">
+            <a:noAutofit/>
+          </a:bodyPr>
+          <a:p>
+            <a:r>
+              <a:rPr b="0" lang="en-US" sz="3570" spc="-1" strike="noStrike">
+                <a:solidFill>
+                  <a:srgbClr val="ffffff"/>
+                </a:solidFill>
+                <a:latin typeface="Arial"/>
+              </a:rPr>
+              <a:t>Project</a:t>
+            </a:r>
+            <a:endParaRPr b="0" lang="en-US" sz="3570" spc="-1" strike="noStrike">
+              <a:solidFill>
+                <a:srgbClr val="ffffff"/>
+              </a:solidFill>
+              <a:latin typeface="Arial"/>
+            </a:endParaRPr>
+          </a:p>
+        </p:txBody>
+      </p:sp>
+      <p:sp>
+        <p:nvSpPr>
+          <p:cNvPr id="112" name="TextShape 2"/>
+          <p:cNvSpPr txBox="1"/>
+          <p:nvPr/>
+        </p:nvSpPr>
+        <p:spPr>
+          <a:xfrm>
+            <a:off x="504000" y="1368000"/>
+            <a:ext cx="9072000" cy="3288240"/>
+          </a:xfrm>
+          <a:prstGeom prst="rect">
+            <a:avLst/>
+          </a:prstGeom>
+          <a:noFill/>
+          <a:ln>
+            <a:noFill/>
+          </a:ln>
+        </p:spPr>
+        <p:txBody>
+          <a:bodyPr lIns="0" rIns="0" tIns="0" bIns="0">
+            <a:normAutofit/>
+          </a:bodyPr>
+          <a:p>
+            <a:pPr marL="432000" indent="-324000">
+              <a:spcAft>
+                <a:spcPts val="1148"/>
+              </a:spcAft>
+              <a:buClr>
+                <a:srgbClr val="000000"/>
+              </a:buClr>
+              <a:buSzPct val="45000"/>
+              <a:buFont typeface="Wingdings" charset="2"/>
+              <a:buChar char=""/>
+            </a:pPr>
+            <a:r>
+              <a:rPr b="0" lang="en-US" sz="2600" spc="-1" strike="noStrike">
+                <a:latin typeface="Arial"/>
+              </a:rPr>
+              <a:t>Libs &amp; Packages:</a:t>
+            </a:r>
+            <a:endParaRPr b="0" lang="en-US" sz="2600" spc="-1" strike="noStrike">
+              <a:latin typeface="Arial"/>
+            </a:endParaRPr>
+          </a:p>
+          <a:p>
+            <a:pPr lvl="1" marL="864000" indent="-324000">
+              <a:spcAft>
+                <a:spcPts val="918"/>
+              </a:spcAft>
+              <a:buClr>
+                <a:srgbClr val="000000"/>
+              </a:buClr>
+              <a:buSzPct val="75000"/>
+              <a:buFont typeface="Symbol" charset="2"/>
+              <a:buChar char=""/>
+            </a:pPr>
+            <a:r>
+              <a:rPr b="0" lang="en-US" sz="2280" spc="-1" strike="noStrike">
+                <a:latin typeface="Arial"/>
+              </a:rPr>
+              <a:t>VNCoreNLP (for words tokenize).</a:t>
+            </a:r>
+            <a:endParaRPr b="0" lang="en-US" sz="2280" spc="-1" strike="noStrike">
+              <a:latin typeface="Arial"/>
+            </a:endParaRPr>
+          </a:p>
+          <a:p>
+            <a:pPr lvl="1" marL="864000" indent="-324000">
+              <a:spcAft>
+                <a:spcPts val="918"/>
+              </a:spcAft>
+              <a:buClr>
+                <a:srgbClr val="000000"/>
+              </a:buClr>
+              <a:buSzPct val="75000"/>
+              <a:buFont typeface="Symbol" charset="2"/>
+              <a:buChar char=""/>
+            </a:pPr>
+            <a:r>
+              <a:rPr b="0" lang="en-US" sz="2280" spc="-1" strike="noStrike">
+                <a:latin typeface="Arial"/>
+              </a:rPr>
+              <a:t>Scikit Learn (for Machine Learning).</a:t>
+            </a:r>
+            <a:endParaRPr b="0" lang="en-US" sz="2280" spc="-1" strike="noStrike">
+              <a:latin typeface="Arial"/>
+            </a:endParaRPr>
+          </a:p>
+          <a:p>
+            <a:pPr lvl="1" marL="864000" indent="-324000">
+              <a:spcAft>
+                <a:spcPts val="918"/>
+              </a:spcAft>
+              <a:buClr>
+                <a:srgbClr val="000000"/>
+              </a:buClr>
+              <a:buSzPct val="75000"/>
+              <a:buFont typeface="Symbol" charset="2"/>
+              <a:buChar char=""/>
+            </a:pPr>
+            <a:r>
+              <a:rPr b="0" lang="en-US" sz="2280" spc="-1" strike="noStrike">
+                <a:latin typeface="Arial"/>
+              </a:rPr>
+              <a:t>Numpy/Scipy (for Sparse Matrix).</a:t>
+            </a:r>
+            <a:endParaRPr b="0" lang="en-US" sz="2280" spc="-1" strike="noStrike">
+              <a:latin typeface="Arial"/>
+            </a:endParaRPr>
+          </a:p>
+          <a:p>
+            <a:pPr lvl="1" marL="864000" indent="-324000">
+              <a:spcAft>
+                <a:spcPts val="918"/>
+              </a:spcAft>
+              <a:buClr>
+                <a:srgbClr val="000000"/>
+              </a:buClr>
+              <a:buSzPct val="75000"/>
+              <a:buFont typeface="Symbol" charset="2"/>
+              <a:buChar char=""/>
+            </a:pPr>
+            <a:r>
+              <a:rPr b="0" lang="en-US" sz="2280" spc="-1" strike="noStrike">
+                <a:latin typeface="Arial"/>
+              </a:rPr>
+              <a:t>Pandas</a:t>
+            </a:r>
+            <a:endParaRPr b="0" lang="en-US" sz="2280" spc="-1" strike="noStrike">
+              <a:latin typeface="Arial"/>
+            </a:endParaRPr>
+          </a:p>
+          <a:p>
+            <a:pPr lvl="1" marL="864000" indent="-324000">
+              <a:spcAft>
+                <a:spcPts val="918"/>
+              </a:spcAft>
+              <a:buClr>
+                <a:srgbClr val="000000"/>
+              </a:buClr>
+              <a:buSzPct val="75000"/>
+              <a:buFont typeface="Symbol" charset="2"/>
+              <a:buChar char=""/>
+            </a:pPr>
+            <a:r>
+              <a:rPr b="0" lang="en-US" sz="2280" spc="-1" strike="noStrike">
+                <a:latin typeface="Arial"/>
+              </a:rPr>
+              <a:t>VnEmoLex (bộ dữ liệu về tính từ thể hiện sắc thái)</a:t>
+            </a:r>
+            <a:endParaRPr b="0" lang="en-US" sz="2280" spc="-1" strike="noStrike">
+              <a:latin typeface="Arial"/>
+            </a:endParaRPr>
+          </a:p>
+        </p:txBody>
+      </p:sp>
+    </p:spTree>
+  </p:cSld>
+  <mc:AlternateContent>
+    <mc:Choice Requires="p14">
+      <p:transition spd="slow" p14:dur="2000"/>
+    </mc:Choice>
+    <mc:Fallback>
+      <p:transition spd="slow"/>
+    </mc:Fallback>
+  </mc:AlternateContent>
+</p:sld>
+</file>
+
+<file path=ppt/slides/slide21.xml><?xml version="1.0" encoding="utf-8"?>
+<p:sld xmlns:a="http://schemas.openxmlformats.org/drawingml/2006/main" xmlns:p="http://schemas.openxmlformats.org/presentationml/2006/main" xmlns:r="http://schemas.openxmlformats.org/officeDocument/2006/relationships" xmlns:p14="http://schemas.microsoft.com/office/powerpoint/2010/main" xmlns:p15="http://schemas.microsoft.com/office/powerpoint/2012/main" xmlns:mc="http://schemas.openxmlformats.org/markup-compatibility/2006">
+  <p:cSld>
+    <p:spTree>
+      <p:nvGrpSpPr>
+        <p:cNvPr id="1" name=""/>
+        <p:cNvGrpSpPr/>
+        <p:nvPr/>
+      </p:nvGrpSpPr>
+      <p:grpSpPr>
+        <a:xfrm>
+          <a:off x="0" y="0"/>
+          <a:ext cx="0" cy="0"/>
+          <a:chOff x="0" y="0"/>
+          <a:chExt cx="0" cy="0"/>
+        </a:xfrm>
+      </p:grpSpPr>
+      <p:sp>
+        <p:nvSpPr>
+          <p:cNvPr id="113" name="TextShape 1"/>
+          <p:cNvSpPr txBox="1"/>
+          <p:nvPr/>
+        </p:nvSpPr>
+        <p:spPr>
+          <a:xfrm>
+            <a:off x="504000" y="216000"/>
+            <a:ext cx="7020000" cy="936000"/>
+          </a:xfrm>
+          <a:prstGeom prst="rect">
+            <a:avLst/>
+          </a:prstGeom>
+          <a:noFill/>
+          <a:ln>
+            <a:noFill/>
+          </a:ln>
+        </p:spPr>
+        <p:txBody>
+          <a:bodyPr lIns="0" rIns="0" tIns="0" bIns="0" anchor="ctr">
+            <a:noAutofit/>
+          </a:bodyPr>
+          <a:p>
+            <a:r>
+              <a:rPr b="0" lang="en-US" sz="3570" spc="-1" strike="noStrike">
+                <a:solidFill>
+                  <a:srgbClr val="ffffff"/>
+                </a:solidFill>
+                <a:latin typeface="Arial"/>
+              </a:rPr>
+              <a:t>VNEmoLex</a:t>
+            </a:r>
+            <a:endParaRPr b="0" lang="en-US" sz="3570" spc="-1" strike="noStrike">
+              <a:solidFill>
+                <a:srgbClr val="ffffff"/>
+              </a:solidFill>
+              <a:latin typeface="Arial"/>
+            </a:endParaRPr>
+          </a:p>
+        </p:txBody>
+      </p:sp>
+      <p:pic>
+        <p:nvPicPr>
+          <p:cNvPr id="114" name="" descr=""/>
+          <p:cNvPicPr/>
+          <p:nvPr/>
+        </p:nvPicPr>
+        <p:blipFill>
+          <a:blip r:embed="rId1"/>
+          <a:stretch/>
+        </p:blipFill>
+        <p:spPr>
+          <a:xfrm>
+            <a:off x="548640" y="1371600"/>
+            <a:ext cx="8778240" cy="3884400"/>
+          </a:xfrm>
+          <a:prstGeom prst="rect">
+            <a:avLst/>
+          </a:prstGeom>
+          <a:ln>
+            <a:noFill/>
+          </a:ln>
+        </p:spPr>
+      </p:pic>
+    </p:spTree>
+  </p:cSld>
+  <mc:AlternateContent>
+    <mc:Choice Requires="p14">
+      <p:transition spd="slow" p14:dur="2000"/>
+    </mc:Choice>
+    <mc:Fallback>
+      <p:transition spd="slow"/>
+    </mc:Fallback>
+  </mc:AlternateContent>
+</p:sld>
+</file>
+
+<file path=ppt/slides/slide22.xml><?xml version="1.0" encoding="utf-8"?>
+<p:sld xmlns:a="http://schemas.openxmlformats.org/drawingml/2006/main" xmlns:p="http://schemas.openxmlformats.org/presentationml/2006/main" xmlns:r="http://schemas.openxmlformats.org/officeDocument/2006/relationships" xmlns:p14="http://schemas.microsoft.com/office/powerpoint/2010/main" xmlns:p15="http://schemas.microsoft.com/office/powerpoint/2012/main" xmlns:mc="http://schemas.openxmlformats.org/markup-compatibility/2006">
+  <p:cSld>
+    <p:spTree>
+      <p:nvGrpSpPr>
+        <p:cNvPr id="1" name=""/>
+        <p:cNvGrpSpPr/>
+        <p:nvPr/>
+      </p:nvGrpSpPr>
+      <p:grpSpPr>
+        <a:xfrm>
+          <a:off x="0" y="0"/>
+          <a:ext cx="0" cy="0"/>
+          <a:chOff x="0" y="0"/>
+          <a:chExt cx="0" cy="0"/>
+        </a:xfrm>
+      </p:grpSpPr>
+      <p:sp>
+        <p:nvSpPr>
+          <p:cNvPr id="115" name="TextShape 1"/>
+          <p:cNvSpPr txBox="1"/>
+          <p:nvPr/>
+        </p:nvSpPr>
+        <p:spPr>
+          <a:xfrm>
+            <a:off x="504000" y="216000"/>
+            <a:ext cx="7020000" cy="936000"/>
+          </a:xfrm>
+          <a:prstGeom prst="rect">
+            <a:avLst/>
+          </a:prstGeom>
+          <a:noFill/>
+          <a:ln>
+            <a:noFill/>
+          </a:ln>
+        </p:spPr>
+        <p:txBody>
+          <a:bodyPr lIns="0" rIns="0" tIns="0" bIns="0" anchor="ctr">
+            <a:noAutofit/>
+          </a:bodyPr>
+          <a:p>
+            <a:r>
+              <a:rPr b="0" lang="en-US" sz="3570" spc="-1" strike="noStrike">
+                <a:solidFill>
+                  <a:srgbClr val="ffffff"/>
+                </a:solidFill>
+                <a:latin typeface="Arial"/>
+              </a:rPr>
+              <a:t>Project</a:t>
+            </a:r>
+            <a:endParaRPr b="0" lang="en-US" sz="3570" spc="-1" strike="noStrike">
+              <a:solidFill>
+                <a:srgbClr val="ffffff"/>
+              </a:solidFill>
+              <a:latin typeface="Arial"/>
+            </a:endParaRPr>
+          </a:p>
+        </p:txBody>
+      </p:sp>
+      <p:sp>
+        <p:nvSpPr>
+          <p:cNvPr id="116" name="TextShape 2"/>
+          <p:cNvSpPr txBox="1"/>
+          <p:nvPr/>
+        </p:nvSpPr>
+        <p:spPr>
+          <a:xfrm>
+            <a:off x="504000" y="1368000"/>
+            <a:ext cx="9072000" cy="3288240"/>
+          </a:xfrm>
+          <a:prstGeom prst="rect">
+            <a:avLst/>
+          </a:prstGeom>
+          <a:noFill/>
+          <a:ln>
+            <a:noFill/>
+          </a:ln>
+        </p:spPr>
+        <p:txBody>
+          <a:bodyPr lIns="0" rIns="0" tIns="0" bIns="0">
+            <a:normAutofit fontScale="84000"/>
+          </a:bodyPr>
+          <a:p>
+            <a:pPr marL="432000" indent="-324000">
+              <a:spcAft>
+                <a:spcPts val="1148"/>
+              </a:spcAft>
+              <a:buClr>
+                <a:srgbClr val="000000"/>
+              </a:buClr>
+              <a:buSzPct val="45000"/>
+              <a:buFont typeface="Wingdings" charset="2"/>
+              <a:buChar char=""/>
+            </a:pPr>
+            <a:r>
+              <a:rPr b="0" lang="en-US" sz="2600" spc="-1" strike="noStrike">
+                <a:latin typeface="Arial"/>
+              </a:rPr>
+              <a:t>Các bước</a:t>
+            </a:r>
+            <a:endParaRPr b="0" lang="en-US" sz="2600" spc="-1" strike="noStrike">
+              <a:latin typeface="Arial"/>
+            </a:endParaRPr>
+          </a:p>
+          <a:p>
+            <a:pPr marL="432000" indent="-324000">
+              <a:spcAft>
+                <a:spcPts val="1148"/>
+              </a:spcAft>
+              <a:buClr>
+                <a:srgbClr val="000000"/>
+              </a:buClr>
+              <a:buSzPct val="45000"/>
+              <a:buFont typeface="Wingdings" charset="2"/>
+              <a:buChar char=""/>
+            </a:pPr>
+            <a:r>
+              <a:rPr b="0" lang="en-US" sz="2600" spc="-1" strike="noStrike">
+                <a:latin typeface="Arial"/>
+              </a:rPr>
+              <a:t> </a:t>
+            </a:r>
+            <a:r>
+              <a:rPr b="0" lang="en-US" sz="2600" spc="-1" strike="noStrike">
+                <a:latin typeface="Arial"/>
+              </a:rPr>
+              <a:t>thực hiện:</a:t>
+            </a:r>
+            <a:endParaRPr b="0" lang="en-US" sz="2600" spc="-1" strike="noStrike">
+              <a:latin typeface="Arial"/>
+            </a:endParaRPr>
+          </a:p>
+          <a:p>
+            <a:pPr lvl="1" marL="864000" indent="-324000">
+              <a:spcAft>
+                <a:spcPts val="918"/>
+              </a:spcAft>
+              <a:buClr>
+                <a:srgbClr val="000000"/>
+              </a:buClr>
+              <a:buSzPct val="75000"/>
+              <a:buFont typeface="Symbol" charset="2"/>
+              <a:buChar char=""/>
+            </a:pPr>
+            <a:r>
+              <a:rPr b="0" lang="en-US" sz="2280" spc="-1" strike="noStrike">
+                <a:latin typeface="Arial"/>
+              </a:rPr>
+              <a:t>Preprocessing</a:t>
+            </a:r>
+            <a:endParaRPr b="0" lang="en-US" sz="2280" spc="-1" strike="noStrike">
+              <a:latin typeface="Arial"/>
+            </a:endParaRPr>
+          </a:p>
+          <a:p>
+            <a:pPr lvl="1" marL="864000" indent="-324000">
+              <a:spcAft>
+                <a:spcPts val="918"/>
+              </a:spcAft>
+              <a:buClr>
+                <a:srgbClr val="000000"/>
+              </a:buClr>
+              <a:buSzPct val="75000"/>
+              <a:buFont typeface="Symbol" charset="2"/>
+              <a:buChar char=""/>
+            </a:pPr>
+            <a:r>
+              <a:rPr b="0" lang="en-US" sz="2280" spc="-1" strike="noStrike">
+                <a:latin typeface="Arial"/>
+              </a:rPr>
+              <a:t>= tách từ, lọc ký</a:t>
+            </a:r>
+            <a:endParaRPr b="0" lang="en-US" sz="2280" spc="-1" strike="noStrike">
+              <a:latin typeface="Arial"/>
+            </a:endParaRPr>
+          </a:p>
+          <a:p>
+            <a:pPr lvl="1" marL="864000" indent="-324000">
+              <a:spcAft>
+                <a:spcPts val="918"/>
+              </a:spcAft>
+              <a:buClr>
+                <a:srgbClr val="000000"/>
+              </a:buClr>
+              <a:buSzPct val="75000"/>
+              <a:buFont typeface="Symbol" charset="2"/>
+              <a:buChar char=""/>
+            </a:pPr>
+            <a:r>
+              <a:rPr b="0" lang="en-US" sz="2280" spc="-1" strike="noStrike">
+                <a:latin typeface="Arial"/>
+              </a:rPr>
+              <a:t>tự đặc biệt</a:t>
+            </a:r>
+            <a:endParaRPr b="0" lang="en-US" sz="2280" spc="-1" strike="noStrike">
+              <a:latin typeface="Arial"/>
+            </a:endParaRPr>
+          </a:p>
+          <a:p>
+            <a:pPr lvl="1" marL="864000" indent="-324000">
+              <a:spcAft>
+                <a:spcPts val="918"/>
+              </a:spcAft>
+              <a:buClr>
+                <a:srgbClr val="000000"/>
+              </a:buClr>
+              <a:buSzPct val="75000"/>
+              <a:buFont typeface="Symbol" charset="2"/>
+              <a:buChar char=""/>
+            </a:pPr>
+            <a:r>
+              <a:rPr b="0" lang="en-US" sz="2280" spc="-1" strike="noStrike">
+                <a:latin typeface="Arial"/>
+              </a:rPr>
+              <a:t>LG Model:</a:t>
+            </a:r>
+            <a:endParaRPr b="0" lang="en-US" sz="2280" spc="-1" strike="noStrike">
+              <a:latin typeface="Arial"/>
+            </a:endParaRPr>
+          </a:p>
+          <a:p>
+            <a:pPr lvl="1" marL="864000" indent="-324000">
+              <a:spcAft>
+                <a:spcPts val="918"/>
+              </a:spcAft>
+              <a:buClr>
+                <a:srgbClr val="000000"/>
+              </a:buClr>
+              <a:buSzPct val="75000"/>
+              <a:buFont typeface="Symbol" charset="2"/>
+              <a:buChar char=""/>
+            </a:pPr>
+            <a:r>
+              <a:rPr b="0" lang="en-US" sz="2280" spc="-1" strike="noStrike">
+                <a:latin typeface="Arial"/>
+              </a:rPr>
+              <a:t>cross-validation</a:t>
+            </a:r>
+            <a:endParaRPr b="0" lang="en-US" sz="2280" spc="-1" strike="noStrike">
+              <a:latin typeface="Arial"/>
+            </a:endParaRPr>
+          </a:p>
+          <a:p>
+            <a:pPr lvl="1" marL="864000" indent="-324000">
+              <a:spcAft>
+                <a:spcPts val="918"/>
+              </a:spcAft>
+              <a:buClr>
+                <a:srgbClr val="000000"/>
+              </a:buClr>
+              <a:buSzPct val="75000"/>
+              <a:buFont typeface="Symbol" charset="2"/>
+              <a:buChar char=""/>
+            </a:pPr>
+            <a:r>
+              <a:rPr b="0" lang="en-US" sz="2280" spc="-1" strike="noStrike">
+                <a:latin typeface="Arial"/>
+              </a:rPr>
+              <a:t>= 5</a:t>
+            </a:r>
+            <a:endParaRPr b="0" lang="en-US" sz="2280" spc="-1" strike="noStrike">
+              <a:latin typeface="Arial"/>
+            </a:endParaRPr>
+          </a:p>
+          <a:p>
+            <a:pPr lvl="1" marL="864000" indent="-324000">
+              <a:spcAft>
+                <a:spcPts val="918"/>
+              </a:spcAft>
+              <a:buClr>
+                <a:srgbClr val="000000"/>
+              </a:buClr>
+              <a:buSzPct val="75000"/>
+              <a:buFont typeface="Symbol" charset="2"/>
+              <a:buChar char=""/>
+            </a:pPr>
+            <a:endParaRPr b="0" lang="en-US" sz="2280" spc="-1" strike="noStrike">
+              <a:latin typeface="Arial"/>
+            </a:endParaRPr>
+          </a:p>
+        </p:txBody>
+      </p:sp>
+      <p:pic>
+        <p:nvPicPr>
+          <p:cNvPr id="117" name="" descr=""/>
+          <p:cNvPicPr/>
+          <p:nvPr/>
+        </p:nvPicPr>
+        <p:blipFill>
+          <a:blip r:embed="rId1"/>
+          <a:stretch/>
+        </p:blipFill>
+        <p:spPr>
+          <a:xfrm>
+            <a:off x="3200400" y="1554480"/>
+            <a:ext cx="6418080" cy="3593880"/>
+          </a:xfrm>
+          <a:prstGeom prst="rect">
+            <a:avLst/>
+          </a:prstGeom>
+          <a:ln>
+            <a:noFill/>
+          </a:ln>
+        </p:spPr>
+      </p:pic>
+    </p:spTree>
+  </p:cSld>
+  <mc:AlternateContent>
+    <mc:Choice Requires="p14">
+      <p:transition spd="slow" p14:dur="2000"/>
+    </mc:Choice>
+    <mc:Fallback>
+      <p:transition spd="slow"/>
+    </mc:Fallback>
+  </mc:AlternateContent>
+</p:sld>
+</file>
+
+<file path=ppt/slides/slide23.xml><?xml version="1.0" encoding="utf-8"?>
+<p:sld xmlns:a="http://schemas.openxmlformats.org/drawingml/2006/main" xmlns:p="http://schemas.openxmlformats.org/presentationml/2006/main" xmlns:r="http://schemas.openxmlformats.org/officeDocument/2006/relationships" xmlns:p14="http://schemas.microsoft.com/office/powerpoint/2010/main" xmlns:p15="http://schemas.microsoft.com/office/powerpoint/2012/main" xmlns:mc="http://schemas.openxmlformats.org/markup-compatibility/2006">
+  <p:cSld>
+    <p:spTree>
+      <p:nvGrpSpPr>
+        <p:cNvPr id="1" name=""/>
+        <p:cNvGrpSpPr/>
+        <p:nvPr/>
+      </p:nvGrpSpPr>
+      <p:grpSpPr>
+        <a:xfrm>
+          <a:off x="0" y="0"/>
+          <a:ext cx="0" cy="0"/>
+          <a:chOff x="0" y="0"/>
+          <a:chExt cx="0" cy="0"/>
+        </a:xfrm>
+      </p:grpSpPr>
+      <p:sp>
+        <p:nvSpPr>
+          <p:cNvPr id="118" name="TextShape 1"/>
+          <p:cNvSpPr txBox="1"/>
+          <p:nvPr/>
+        </p:nvSpPr>
+        <p:spPr>
+          <a:xfrm>
+            <a:off x="504000" y="216000"/>
+            <a:ext cx="7020000" cy="936000"/>
+          </a:xfrm>
+          <a:prstGeom prst="rect">
+            <a:avLst/>
+          </a:prstGeom>
+          <a:noFill/>
+          <a:ln>
+            <a:noFill/>
+          </a:ln>
+        </p:spPr>
+        <p:txBody>
+          <a:bodyPr lIns="0" rIns="0" tIns="0" bIns="0" anchor="ctr">
+            <a:noAutofit/>
+          </a:bodyPr>
+          <a:p>
+            <a:r>
+              <a:rPr b="0" lang="en-US" sz="3570" spc="-1" strike="noStrike">
+                <a:solidFill>
+                  <a:srgbClr val="ffffff"/>
+                </a:solidFill>
+                <a:latin typeface="Arial"/>
+              </a:rPr>
+              <a:t>Bag-Of-Words</a:t>
+            </a:r>
+            <a:endParaRPr b="0" lang="en-US" sz="3570" spc="-1" strike="noStrike">
+              <a:solidFill>
+                <a:srgbClr val="ffffff"/>
+              </a:solidFill>
+              <a:latin typeface="Arial"/>
+            </a:endParaRPr>
+          </a:p>
+        </p:txBody>
+      </p:sp>
+      <p:pic>
+        <p:nvPicPr>
+          <p:cNvPr id="119" name="" descr=""/>
+          <p:cNvPicPr/>
+          <p:nvPr/>
+        </p:nvPicPr>
+        <p:blipFill>
+          <a:blip r:embed="rId1"/>
+          <a:stretch/>
+        </p:blipFill>
+        <p:spPr>
+          <a:xfrm>
+            <a:off x="503640" y="1986120"/>
+            <a:ext cx="4426920" cy="2051640"/>
+          </a:xfrm>
+          <a:prstGeom prst="rect">
+            <a:avLst/>
+          </a:prstGeom>
+          <a:ln>
+            <a:noFill/>
+          </a:ln>
+        </p:spPr>
+      </p:pic>
+      <p:pic>
+        <p:nvPicPr>
+          <p:cNvPr id="120" name="" descr=""/>
+          <p:cNvPicPr/>
+          <p:nvPr/>
+        </p:nvPicPr>
+        <p:blipFill>
+          <a:blip r:embed="rId2"/>
+          <a:stretch/>
+        </p:blipFill>
+        <p:spPr>
+          <a:xfrm>
+            <a:off x="5152320" y="1398600"/>
+            <a:ext cx="4426920" cy="3227040"/>
+          </a:xfrm>
+          <a:prstGeom prst="rect">
+            <a:avLst/>
+          </a:prstGeom>
+          <a:ln>
+            <a:noFill/>
+          </a:ln>
+        </p:spPr>
+      </p:pic>
+    </p:spTree>
+  </p:cSld>
+  <mc:AlternateContent>
+    <mc:Choice Requires="p14">
+      <p:transition spd="slow" p14:dur="2000"/>
+    </mc:Choice>
+    <mc:Fallback>
+      <p:transition spd="slow"/>
+    </mc:Fallback>
+  </mc:AlternateContent>
+</p:sld>
+</file>
+
+<file path=ppt/slides/slide24.xml><?xml version="1.0" encoding="utf-8"?>
+<p:sld xmlns:a="http://schemas.openxmlformats.org/drawingml/2006/main" xmlns:p="http://schemas.openxmlformats.org/presentationml/2006/main" xmlns:r="http://schemas.openxmlformats.org/officeDocument/2006/relationships" xmlns:p14="http://schemas.microsoft.com/office/powerpoint/2010/main" xmlns:p15="http://schemas.microsoft.com/office/powerpoint/2012/main" xmlns:mc="http://schemas.openxmlformats.org/markup-compatibility/2006">
+  <p:cSld>
+    <p:spTree>
+      <p:nvGrpSpPr>
+        <p:cNvPr id="1" name=""/>
+        <p:cNvGrpSpPr/>
+        <p:nvPr/>
+      </p:nvGrpSpPr>
+      <p:grpSpPr>
+        <a:xfrm>
+          <a:off x="0" y="0"/>
+          <a:ext cx="0" cy="0"/>
+          <a:chOff x="0" y="0"/>
+          <a:chExt cx="0" cy="0"/>
+        </a:xfrm>
+      </p:grpSpPr>
+      <p:sp>
+        <p:nvSpPr>
+          <p:cNvPr id="121" name="TextShape 1"/>
+          <p:cNvSpPr txBox="1"/>
+          <p:nvPr/>
+        </p:nvSpPr>
+        <p:spPr>
+          <a:xfrm>
+            <a:off x="504000" y="216000"/>
+            <a:ext cx="7020000" cy="936000"/>
+          </a:xfrm>
+          <a:prstGeom prst="rect">
+            <a:avLst/>
+          </a:prstGeom>
+          <a:noFill/>
+          <a:ln>
+            <a:noFill/>
+          </a:ln>
+        </p:spPr>
+        <p:txBody>
+          <a:bodyPr lIns="0" rIns="0" tIns="0" bIns="0" anchor="ctr">
+            <a:noAutofit/>
+          </a:bodyPr>
+          <a:p>
+            <a:r>
+              <a:rPr b="0" lang="en-US" sz="3570" spc="-1" strike="noStrike">
+                <a:solidFill>
+                  <a:srgbClr val="ffffff"/>
+                </a:solidFill>
+                <a:latin typeface="Arial"/>
+              </a:rPr>
+              <a:t>Bag-Of-Words</a:t>
+            </a:r>
+            <a:endParaRPr b="0" lang="en-US" sz="3570" spc="-1" strike="noStrike">
+              <a:solidFill>
+                <a:srgbClr val="ffffff"/>
+              </a:solidFill>
+              <a:latin typeface="Arial"/>
+            </a:endParaRPr>
+          </a:p>
+        </p:txBody>
+      </p:sp>
+      <p:pic>
+        <p:nvPicPr>
+          <p:cNvPr id="122" name="" descr=""/>
+          <p:cNvPicPr/>
+          <p:nvPr/>
+        </p:nvPicPr>
+        <p:blipFill>
+          <a:blip r:embed="rId1"/>
+          <a:stretch/>
+        </p:blipFill>
+        <p:spPr>
+          <a:xfrm>
+            <a:off x="221400" y="1558080"/>
+            <a:ext cx="9196920" cy="3654000"/>
+          </a:xfrm>
+          <a:prstGeom prst="rect">
+            <a:avLst/>
+          </a:prstGeom>
+          <a:ln>
+            <a:noFill/>
+          </a:ln>
+        </p:spPr>
+      </p:pic>
+    </p:spTree>
+  </p:cSld>
+  <mc:AlternateContent>
+    <mc:Choice Requires="p14">
+      <p:transition spd="slow" p14:dur="2000"/>
+    </mc:Choice>
+    <mc:Fallback>
+      <p:transition spd="slow"/>
+    </mc:Fallback>
+  </mc:AlternateContent>
+</p:sld>
+</file>
+
+<file path=ppt/slides/slide25.xml><?xml version="1.0" encoding="utf-8"?>
+<p:sld xmlns:a="http://schemas.openxmlformats.org/drawingml/2006/main" xmlns:p="http://schemas.openxmlformats.org/presentationml/2006/main" xmlns:r="http://schemas.openxmlformats.org/officeDocument/2006/relationships" xmlns:p14="http://schemas.microsoft.com/office/powerpoint/2010/main" xmlns:p15="http://schemas.microsoft.com/office/powerpoint/2012/main" xmlns:mc="http://schemas.openxmlformats.org/markup-compatibility/2006">
+  <p:cSld>
+    <p:spTree>
+      <p:nvGrpSpPr>
+        <p:cNvPr id="1" name=""/>
+        <p:cNvGrpSpPr/>
+        <p:nvPr/>
+      </p:nvGrpSpPr>
+      <p:grpSpPr>
+        <a:xfrm>
+          <a:off x="0" y="0"/>
+          <a:ext cx="0" cy="0"/>
+          <a:chOff x="0" y="0"/>
+          <a:chExt cx="0" cy="0"/>
+        </a:xfrm>
+      </p:grpSpPr>
+      <p:sp>
+        <p:nvSpPr>
+          <p:cNvPr id="123" name="TextShape 1"/>
+          <p:cNvSpPr txBox="1"/>
+          <p:nvPr/>
+        </p:nvSpPr>
+        <p:spPr>
+          <a:xfrm>
+            <a:off x="504000" y="216000"/>
+            <a:ext cx="7020000" cy="936000"/>
+          </a:xfrm>
+          <a:prstGeom prst="rect">
+            <a:avLst/>
+          </a:prstGeom>
+          <a:noFill/>
+          <a:ln>
+            <a:noFill/>
+          </a:ln>
+        </p:spPr>
+        <p:txBody>
+          <a:bodyPr lIns="0" rIns="0" tIns="0" bIns="0" anchor="ctr">
+            <a:noAutofit/>
+          </a:bodyPr>
+          <a:p>
+            <a:r>
+              <a:rPr b="0" lang="en-US" sz="3570" spc="-1" strike="noStrike">
+                <a:solidFill>
+                  <a:srgbClr val="ffffff"/>
+                </a:solidFill>
+                <a:latin typeface="Arial"/>
+              </a:rPr>
+              <a:t>Đánh giá cho tiếng Việt</a:t>
+            </a:r>
+            <a:endParaRPr b="0" lang="en-US" sz="3570" spc="-1" strike="noStrike">
+              <a:solidFill>
+                <a:srgbClr val="ffffff"/>
+              </a:solidFill>
+              <a:latin typeface="Arial"/>
+            </a:endParaRPr>
+          </a:p>
+        </p:txBody>
+      </p:sp>
+      <p:graphicFrame>
+        <p:nvGraphicFramePr>
+          <p:cNvPr id="124" name="Table 2"/>
+          <p:cNvGraphicFramePr/>
+          <p:nvPr/>
+        </p:nvGraphicFramePr>
+        <p:xfrm>
+          <a:off x="274320" y="1331640"/>
+          <a:ext cx="9600840" cy="3378960"/>
+        </p:xfrm>
+        <a:graphic>
+          <a:graphicData uri="http://schemas.openxmlformats.org/drawingml/2006/table">
+            <a:tbl>
+              <a:tblPr/>
+              <a:tblGrid>
+                <a:gridCol w="7261560"/>
+                <a:gridCol w="2339640"/>
+              </a:tblGrid>
+              <a:tr h="349920">
+                <a:tc>
+                  <a:txBody>
+                    <a:bodyPr lIns="90000" rIns="90000" tIns="46800" bIns="46800">
+                      <a:noAutofit/>
+                    </a:bodyPr>
+                    <a:p>
+                      <a:pPr algn="ctr"/>
+                      <a:r>
+                        <a:rPr b="0" lang="en-US" sz="1800" spc="-1" strike="noStrike">
+                          <a:latin typeface="Arial"/>
+                        </a:rPr>
+                        <a:t>Phương pháp tiếp cận</a:t>
+                      </a:r>
+                      <a:endParaRPr b="0" lang="en-US" sz="1800" spc="-1" strike="noStrike">
+                        <a:latin typeface="Arial"/>
+                      </a:endParaRPr>
+                    </a:p>
+                  </a:txBody>
+                  <a:tcPr marL="90000" marR="90000">
+                    <a:lnL w="720">
+                      <a:solidFill>
+                        <a:srgbClr val="ffffff"/>
+                      </a:solidFill>
+                    </a:lnL>
+                    <a:lnR w="720">
+                      <a:solidFill>
+                        <a:srgbClr val="ffffff"/>
+                      </a:solidFill>
+                    </a:lnR>
+                    <a:lnT w="720">
+                      <a:solidFill>
+                        <a:srgbClr val="ffffff"/>
+                      </a:solidFill>
+                    </a:lnT>
+                    <a:lnB w="720">
+                      <a:solidFill>
+                        <a:srgbClr val="ffffff"/>
+                      </a:solidFill>
+                    </a:lnB>
+                    <a:solidFill>
+                      <a:srgbClr val="b3b3b3"/>
+                    </a:solidFill>
+                  </a:tcPr>
+                </a:tc>
+                <a:tc>
+                  <a:txBody>
+                    <a:bodyPr lIns="90000" rIns="90000" tIns="46800" bIns="46800">
+                      <a:noAutofit/>
+                    </a:bodyPr>
+                    <a:p>
+                      <a:pPr algn="ctr"/>
+                      <a:r>
+                        <a:rPr b="0" lang="en-US" sz="1800" spc="-1" strike="noStrike">
+                          <a:latin typeface="Arial"/>
+                        </a:rPr>
+                        <a:t>Độ chính xác</a:t>
+                      </a:r>
+                      <a:endParaRPr b="0" lang="en-US" sz="1800" spc="-1" strike="noStrike">
+                        <a:latin typeface="Arial"/>
+                      </a:endParaRPr>
+                    </a:p>
+                  </a:txBody>
+                  <a:tcPr marL="90000" marR="90000">
+                    <a:lnL w="720">
+                      <a:solidFill>
+                        <a:srgbClr val="ffffff"/>
+                      </a:solidFill>
+                    </a:lnL>
+                    <a:lnR w="720">
+                      <a:solidFill>
+                        <a:srgbClr val="ffffff"/>
+                      </a:solidFill>
+                    </a:lnR>
+                    <a:lnT w="720">
+                      <a:solidFill>
+                        <a:srgbClr val="ffffff"/>
+                      </a:solidFill>
+                    </a:lnT>
+                    <a:lnB w="720">
+                      <a:solidFill>
+                        <a:srgbClr val="ffffff"/>
+                      </a:solidFill>
+                    </a:lnB>
+                    <a:solidFill>
+                      <a:srgbClr val="b3b3b3"/>
+                    </a:solidFill>
+                  </a:tcPr>
+                </a:tc>
+              </a:tr>
+              <a:tr h="346320">
+                <a:tc>
+                  <a:txBody>
+                    <a:bodyPr lIns="90000" rIns="90000" tIns="46800" bIns="46800">
+                      <a:noAutofit/>
+                    </a:bodyPr>
+                    <a:p>
+                      <a:r>
+                        <a:rPr b="0" lang="en-US" sz="1800" spc="-1" strike="noStrike">
+                          <a:latin typeface="Arial"/>
+                        </a:rPr>
+                        <a:t>BoW = Tất cả các từ khác nhau trong văn bản.</a:t>
+                      </a:r>
+                      <a:endParaRPr b="0" lang="en-US" sz="1800" spc="-1" strike="noStrike">
+                        <a:latin typeface="Arial"/>
+                      </a:endParaRPr>
+                    </a:p>
+                    <a:p>
+                      <a:r>
+                        <a:rPr b="0" lang="en-US" sz="1800" spc="-1" strike="noStrike">
+                          <a:latin typeface="Arial"/>
+                        </a:rPr>
+                        <a:t>Vector bình luận là vector nhị phân (chỉ xét đến sự hiện diện của từ)</a:t>
+                      </a:r>
+                      <a:endParaRPr b="0" lang="en-US" sz="1800" spc="-1" strike="noStrike">
+                        <a:latin typeface="Arial"/>
+                      </a:endParaRPr>
+                    </a:p>
+                  </a:txBody>
+                  <a:tcPr marL="90000" marR="90000">
+                    <a:lnL w="720">
+                      <a:solidFill>
+                        <a:srgbClr val="ffffff"/>
+                      </a:solidFill>
+                    </a:lnL>
+                    <a:lnR w="720">
+                      <a:solidFill>
+                        <a:srgbClr val="ffffff"/>
+                      </a:solidFill>
+                    </a:lnR>
+                    <a:lnT w="720">
+                      <a:solidFill>
+                        <a:srgbClr val="ffffff"/>
+                      </a:solidFill>
+                    </a:lnT>
+                    <a:lnB w="720">
+                      <a:solidFill>
+                        <a:srgbClr val="ffffff"/>
+                      </a:solidFill>
+                    </a:lnB>
+                    <a:solidFill>
+                      <a:srgbClr val="cccccc"/>
+                    </a:solidFill>
+                  </a:tcPr>
+                </a:tc>
+                <a:tc>
+                  <a:txBody>
+                    <a:bodyPr lIns="90000" rIns="90000" tIns="46800" bIns="46800">
+                      <a:noAutofit/>
+                    </a:bodyPr>
+                    <a:p>
+                      <a:pPr algn="ctr"/>
+                      <a:r>
+                        <a:rPr b="0" lang="en-US" sz="1800" spc="-1" strike="noStrike">
+                          <a:latin typeface="Arial"/>
+                        </a:rPr>
+                        <a:t>65%</a:t>
+                      </a:r>
+                      <a:endParaRPr b="0" lang="en-US" sz="1800" spc="-1" strike="noStrike">
+                        <a:latin typeface="Arial"/>
+                      </a:endParaRPr>
+                    </a:p>
+                  </a:txBody>
+                  <a:tcPr marL="90000" marR="90000">
+                    <a:lnL w="720">
+                      <a:solidFill>
+                        <a:srgbClr val="ffffff"/>
+                      </a:solidFill>
+                    </a:lnL>
+                    <a:lnR w="720">
+                      <a:solidFill>
+                        <a:srgbClr val="ffffff"/>
+                      </a:solidFill>
+                    </a:lnR>
+                    <a:lnT w="720">
+                      <a:solidFill>
+                        <a:srgbClr val="ffffff"/>
+                      </a:solidFill>
+                    </a:lnT>
+                    <a:lnB w="720">
+                      <a:solidFill>
+                        <a:srgbClr val="ffffff"/>
+                      </a:solidFill>
+                    </a:lnB>
+                    <a:solidFill>
+                      <a:srgbClr val="cccccc"/>
+                    </a:solidFill>
+                  </a:tcPr>
+                </a:tc>
+              </a:tr>
+              <a:tr h="346320">
+                <a:tc>
+                  <a:txBody>
+                    <a:bodyPr lIns="90000" rIns="90000" tIns="46800" bIns="46800">
+                      <a:noAutofit/>
+                    </a:bodyPr>
+                    <a:p>
+                      <a:pPr>
+                        <a:lnSpc>
+                          <a:spcPct val="100000"/>
+                        </a:lnSpc>
+                      </a:pPr>
+                      <a:r>
+                        <a:rPr b="0" lang="en-US" sz="1800" spc="-1" strike="noStrike">
+                          <a:latin typeface="Arial"/>
+                        </a:rPr>
+                        <a:t>BoW = Tất cả các từ khác nhau trong văn bản.</a:t>
+                      </a:r>
+                      <a:endParaRPr b="0" lang="en-US" sz="1800" spc="-1" strike="noStrike">
+                        <a:latin typeface="Arial"/>
+                      </a:endParaRPr>
+                    </a:p>
+                    <a:p>
+                      <a:r>
+                        <a:rPr b="0" lang="en-US" sz="1800" spc="-1" strike="noStrike">
+                          <a:latin typeface="Arial"/>
+                        </a:rPr>
+                        <a:t>Vector bình luận là vector tần suất của từ xuất hiện trong văn bản</a:t>
+                      </a:r>
+                      <a:endParaRPr b="0" lang="en-US" sz="1800" spc="-1" strike="noStrike">
+                        <a:latin typeface="Arial"/>
+                      </a:endParaRPr>
+                    </a:p>
+                  </a:txBody>
+                  <a:tcPr marL="90000" marR="90000">
+                    <a:lnL w="720">
+                      <a:solidFill>
+                        <a:srgbClr val="ffffff"/>
+                      </a:solidFill>
+                    </a:lnL>
+                    <a:lnR w="720">
+                      <a:solidFill>
+                        <a:srgbClr val="ffffff"/>
+                      </a:solidFill>
+                    </a:lnR>
+                    <a:lnT w="720">
+                      <a:solidFill>
+                        <a:srgbClr val="ffffff"/>
+                      </a:solidFill>
+                    </a:lnT>
+                    <a:lnB w="720">
+                      <a:solidFill>
+                        <a:srgbClr val="ffffff"/>
+                      </a:solidFill>
+                    </a:lnB>
+                    <a:solidFill>
+                      <a:srgbClr val="e6e6e6"/>
+                    </a:solidFill>
+                  </a:tcPr>
+                </a:tc>
+                <a:tc>
+                  <a:txBody>
+                    <a:bodyPr lIns="90000" rIns="90000" tIns="46800" bIns="46800">
+                      <a:noAutofit/>
+                    </a:bodyPr>
+                    <a:p>
+                      <a:pPr algn="ctr"/>
+                      <a:r>
+                        <a:rPr b="0" lang="en-US" sz="1800" spc="-1" strike="noStrike">
+                          <a:latin typeface="Arial"/>
+                        </a:rPr>
+                        <a:t>63-64%</a:t>
+                      </a:r>
+                      <a:endParaRPr b="0" lang="en-US" sz="1800" spc="-1" strike="noStrike">
+                        <a:latin typeface="Arial"/>
+                      </a:endParaRPr>
+                    </a:p>
+                  </a:txBody>
+                  <a:tcPr marL="90000" marR="90000">
+                    <a:lnL w="720">
+                      <a:solidFill>
+                        <a:srgbClr val="ffffff"/>
+                      </a:solidFill>
+                    </a:lnL>
+                    <a:lnR w="720">
+                      <a:solidFill>
+                        <a:srgbClr val="ffffff"/>
+                      </a:solidFill>
+                    </a:lnR>
+                    <a:lnT w="720">
+                      <a:solidFill>
+                        <a:srgbClr val="ffffff"/>
+                      </a:solidFill>
+                    </a:lnT>
+                    <a:lnB w="720">
+                      <a:solidFill>
+                        <a:srgbClr val="ffffff"/>
+                      </a:solidFill>
+                    </a:lnB>
+                    <a:solidFill>
+                      <a:srgbClr val="e6e6e6"/>
+                    </a:solidFill>
+                  </a:tcPr>
+                </a:tc>
+              </a:tr>
+              <a:tr h="346320">
+                <a:tc>
+                  <a:txBody>
+                    <a:bodyPr lIns="90000" rIns="90000" tIns="46800" bIns="46800">
+                      <a:noAutofit/>
+                    </a:bodyPr>
+                    <a:p>
+                      <a:pPr>
+                        <a:lnSpc>
+                          <a:spcPct val="100000"/>
+                        </a:lnSpc>
+                      </a:pPr>
+                      <a:r>
+                        <a:rPr b="0" lang="en-US" sz="1800" spc="-1" strike="noStrike">
+                          <a:latin typeface="Arial"/>
+                        </a:rPr>
+                        <a:t>BoW = Các tính từ trong VnEmoLex</a:t>
+                      </a:r>
+                      <a:endParaRPr b="0" lang="en-US" sz="1800" spc="-1" strike="noStrike">
+                        <a:latin typeface="Arial"/>
+                      </a:endParaRPr>
+                    </a:p>
+                    <a:p>
+                      <a:r>
+                        <a:rPr b="0" lang="en-US" sz="1800" spc="-1" strike="noStrike">
+                          <a:latin typeface="Arial"/>
+                        </a:rPr>
+                        <a:t>Vector bình luận là vector tần suất của từ xuất hiện trong văn bản</a:t>
+                      </a:r>
+                      <a:endParaRPr b="0" lang="en-US" sz="1800" spc="-1" strike="noStrike">
+                        <a:latin typeface="Arial"/>
+                      </a:endParaRPr>
+                    </a:p>
+                  </a:txBody>
+                  <a:tcPr marL="90000" marR="90000">
+                    <a:lnL w="720">
+                      <a:solidFill>
+                        <a:srgbClr val="ffffff"/>
+                      </a:solidFill>
+                    </a:lnL>
+                    <a:lnR w="720">
+                      <a:solidFill>
+                        <a:srgbClr val="ffffff"/>
+                      </a:solidFill>
+                    </a:lnR>
+                    <a:lnT w="720">
+                      <a:solidFill>
+                        <a:srgbClr val="ffffff"/>
+                      </a:solidFill>
+                    </a:lnT>
+                    <a:lnB w="720">
+                      <a:solidFill>
+                        <a:srgbClr val="ffffff"/>
+                      </a:solidFill>
+                    </a:lnB>
+                    <a:solidFill>
+                      <a:srgbClr val="cccccc"/>
+                    </a:solidFill>
+                  </a:tcPr>
+                </a:tc>
+                <a:tc>
+                  <a:txBody>
+                    <a:bodyPr lIns="90000" rIns="90000" tIns="46800" bIns="46800">
+                      <a:noAutofit/>
+                    </a:bodyPr>
+                    <a:p>
+                      <a:pPr algn="ctr"/>
+                      <a:r>
+                        <a:rPr b="0" lang="en-US" sz="1800" spc="-1" strike="noStrike">
+                          <a:latin typeface="Arial"/>
+                        </a:rPr>
+                        <a:t>60-62%</a:t>
+                      </a:r>
+                      <a:endParaRPr b="0" lang="en-US" sz="1800" spc="-1" strike="noStrike">
+                        <a:latin typeface="Arial"/>
+                      </a:endParaRPr>
+                    </a:p>
+                  </a:txBody>
+                  <a:tcPr marL="90000" marR="90000">
+                    <a:lnL w="720">
+                      <a:solidFill>
+                        <a:srgbClr val="ffffff"/>
+                      </a:solidFill>
+                    </a:lnL>
+                    <a:lnR w="720">
+                      <a:solidFill>
+                        <a:srgbClr val="ffffff"/>
+                      </a:solidFill>
+                    </a:lnR>
+                    <a:lnT w="720">
+                      <a:solidFill>
+                        <a:srgbClr val="ffffff"/>
+                      </a:solidFill>
+                    </a:lnT>
+                    <a:lnB w="720">
+                      <a:solidFill>
+                        <a:srgbClr val="ffffff"/>
+                      </a:solidFill>
+                    </a:lnB>
+                    <a:solidFill>
+                      <a:srgbClr val="cccccc"/>
+                    </a:solidFill>
+                  </a:tcPr>
+                </a:tc>
+              </a:tr>
+              <a:tr h="346320">
+                <a:tc>
+                  <a:txBody>
+                    <a:bodyPr lIns="90000" rIns="90000" tIns="46800" bIns="46800">
+                      <a:noAutofit/>
+                    </a:bodyPr>
+                    <a:p>
+                      <a:pPr>
+                        <a:lnSpc>
+                          <a:spcPct val="100000"/>
+                        </a:lnSpc>
+                      </a:pPr>
+                      <a:r>
+                        <a:rPr b="0" lang="en-US" sz="1800" spc="-1" strike="noStrike">
+                          <a:latin typeface="Arial"/>
+                        </a:rPr>
+                        <a:t>BoW = Tất cả các từ khác nhau trong văn bản.</a:t>
+                      </a:r>
+                      <a:endParaRPr b="0" lang="en-US" sz="1800" spc="-1" strike="noStrike">
+                        <a:latin typeface="Arial"/>
+                      </a:endParaRPr>
+                    </a:p>
+                    <a:p>
+                      <a:r>
+                        <a:rPr b="0" lang="en-US" sz="1800" spc="-1" strike="noStrike">
+                          <a:latin typeface="Arial"/>
+                        </a:rPr>
+                        <a:t>Vector bình luận là vector tần suất của từ xuất hiện trong văn bản, tăng tần suất lên N lần cho các tính từ trong VnEmoLex</a:t>
+                      </a:r>
+                      <a:endParaRPr b="0" lang="en-US" sz="1800" spc="-1" strike="noStrike">
+                        <a:latin typeface="Arial"/>
+                      </a:endParaRPr>
+                    </a:p>
+                  </a:txBody>
+                  <a:tcPr marL="90000" marR="90000">
+                    <a:lnL w="720">
+                      <a:solidFill>
+                        <a:srgbClr val="ffffff"/>
+                      </a:solidFill>
+                    </a:lnL>
+                    <a:lnR w="720">
+                      <a:solidFill>
+                        <a:srgbClr val="ffffff"/>
+                      </a:solidFill>
+                    </a:lnR>
+                    <a:lnT w="720">
+                      <a:solidFill>
+                        <a:srgbClr val="ffffff"/>
+                      </a:solidFill>
+                    </a:lnT>
+                    <a:lnB w="720">
+                      <a:solidFill>
+                        <a:srgbClr val="ffffff"/>
+                      </a:solidFill>
+                    </a:lnB>
+                    <a:solidFill>
+                      <a:srgbClr val="e6e6e6"/>
+                    </a:solidFill>
+                  </a:tcPr>
+                </a:tc>
+                <a:tc>
+                  <a:txBody>
+                    <a:bodyPr lIns="90000" rIns="90000" tIns="46800" bIns="46800">
+                      <a:noAutofit/>
+                    </a:bodyPr>
+                    <a:p>
+                      <a:pPr algn="ctr"/>
+                      <a:r>
+                        <a:rPr b="0" lang="en-US" sz="1800" spc="-1" strike="noStrike">
+                          <a:latin typeface="Arial"/>
+                        </a:rPr>
+                        <a:t>62-64%</a:t>
+                      </a:r>
+                      <a:endParaRPr b="0" lang="en-US" sz="1800" spc="-1" strike="noStrike">
+                        <a:latin typeface="Arial"/>
+                      </a:endParaRPr>
+                    </a:p>
+                  </a:txBody>
+                  <a:tcPr marL="90000" marR="90000">
+                    <a:lnL w="720">
+                      <a:solidFill>
+                        <a:srgbClr val="ffffff"/>
+                      </a:solidFill>
+                    </a:lnL>
+                    <a:lnR w="720">
+                      <a:solidFill>
+                        <a:srgbClr val="ffffff"/>
+                      </a:solidFill>
+                    </a:lnR>
+                    <a:lnT w="720">
+                      <a:solidFill>
+                        <a:srgbClr val="ffffff"/>
+                      </a:solidFill>
+                    </a:lnT>
+                    <a:lnB w="720">
+                      <a:solidFill>
+                        <a:srgbClr val="ffffff"/>
+                      </a:solidFill>
+                    </a:lnB>
+                    <a:solidFill>
+                      <a:srgbClr val="e6e6e6"/>
+                    </a:solidFill>
+                  </a:tcPr>
+                </a:tc>
+              </a:tr>
+              <a:tr h="346320">
+                <a:tc>
+                  <a:txBody>
+                    <a:bodyPr lIns="90000" rIns="90000" tIns="46800" bIns="46800">
+                      <a:noAutofit/>
+                    </a:bodyPr>
+                    <a:p>
+                      <a:r>
+                        <a:rPr b="0" lang="en-US" sz="1800" spc="-1" strike="noStrike">
+                          <a:latin typeface="Arial"/>
+                        </a:rPr>
+                        <a:t>TF-IDF</a:t>
+                      </a:r>
+                      <a:endParaRPr b="0" lang="en-US" sz="1800" spc="-1" strike="noStrike">
+                        <a:latin typeface="Arial"/>
+                      </a:endParaRPr>
+                    </a:p>
+                  </a:txBody>
+                  <a:tcPr marL="90000" marR="90000">
+                    <a:lnL w="720">
+                      <a:solidFill>
+                        <a:srgbClr val="ffffff"/>
+                      </a:solidFill>
+                    </a:lnL>
+                    <a:lnR w="720">
+                      <a:solidFill>
+                        <a:srgbClr val="ffffff"/>
+                      </a:solidFill>
+                    </a:lnR>
+                    <a:lnT w="720">
+                      <a:solidFill>
+                        <a:srgbClr val="ffffff"/>
+                      </a:solidFill>
+                    </a:lnT>
+                    <a:lnB w="720">
+                      <a:solidFill>
+                        <a:srgbClr val="ffffff"/>
+                      </a:solidFill>
+                    </a:lnB>
+                    <a:solidFill>
+                      <a:srgbClr val="cccccc"/>
+                    </a:solidFill>
+                  </a:tcPr>
+                </a:tc>
+                <a:tc>
+                  <a:txBody>
+                    <a:bodyPr lIns="90000" rIns="90000" tIns="46800" bIns="46800">
+                      <a:noAutofit/>
+                    </a:bodyPr>
+                    <a:p>
+                      <a:pPr algn="ctr"/>
+                      <a:r>
+                        <a:rPr b="0" lang="en-US" sz="1800" spc="-1" strike="noStrike">
+                          <a:latin typeface="Arial"/>
+                        </a:rPr>
+                        <a:t>NaN</a:t>
+                      </a:r>
+                      <a:endParaRPr b="0" lang="en-US" sz="1800" spc="-1" strike="noStrike">
+                        <a:latin typeface="Arial"/>
+                      </a:endParaRPr>
+                    </a:p>
+                  </a:txBody>
+                  <a:tcPr marL="90000" marR="90000">
+                    <a:lnL w="720">
+                      <a:solidFill>
+                        <a:srgbClr val="ffffff"/>
+                      </a:solidFill>
+                    </a:lnL>
+                    <a:lnR w="720">
+                      <a:solidFill>
+                        <a:srgbClr val="ffffff"/>
+                      </a:solidFill>
+                    </a:lnR>
+                    <a:lnT w="720">
+                      <a:solidFill>
+                        <a:srgbClr val="ffffff"/>
+                      </a:solidFill>
+                    </a:lnT>
+                    <a:lnB w="720">
+                      <a:solidFill>
+                        <a:srgbClr val="ffffff"/>
+                      </a:solidFill>
+                    </a:lnB>
+                    <a:solidFill>
+                      <a:srgbClr val="cccccc"/>
+                    </a:solidFill>
+                  </a:tcPr>
+                </a:tc>
+              </a:tr>
+            </a:tbl>
+          </a:graphicData>
+        </a:graphic>
+      </p:graphicFrame>
+      <p:sp>
+        <p:nvSpPr>
+          <p:cNvPr id="125" name="TextShape 3"/>
+          <p:cNvSpPr txBox="1"/>
+          <p:nvPr/>
+        </p:nvSpPr>
+        <p:spPr>
+          <a:xfrm>
+            <a:off x="4480560" y="4937760"/>
+            <a:ext cx="5303520" cy="346320"/>
+          </a:xfrm>
+          <a:prstGeom prst="rect">
+            <a:avLst/>
+          </a:prstGeom>
+          <a:noFill/>
+          <a:ln>
+            <a:noFill/>
+          </a:ln>
+        </p:spPr>
+        <p:txBody>
+          <a:bodyPr lIns="90000" rIns="90000" tIns="45000" bIns="45000">
+            <a:noAutofit/>
+          </a:bodyPr>
+          <a:p>
+            <a:r>
+              <a:rPr b="0" lang="en-US" sz="1800" spc="-1" strike="noStrike">
+                <a:latin typeface="Arial"/>
+              </a:rPr>
+              <a:t>*Độ chính xác của mô hình cho tiếng Anh là 88%</a:t>
+            </a:r>
+            <a:endParaRPr b="0" lang="en-US" sz="1800" spc="-1" strike="noStrike">
+              <a:latin typeface="Arial"/>
+            </a:endParaRPr>
+          </a:p>
+        </p:txBody>
+      </p:sp>
+    </p:spTree>
+  </p:cSld>
+  <mc:AlternateContent>
+    <mc:Choice Requires="p14">
+      <p:transition spd="slow" p14:dur="2000"/>
+    </mc:Choice>
+    <mc:Fallback>
+      <p:transition spd="slow"/>
+    </mc:Fallback>
+  </mc:AlternateContent>
+</p:sld>
+</file>
+
+<file path=ppt/slides/slide26.xml><?xml version="1.0" encoding="utf-8"?>
+<p:sld xmlns:a="http://schemas.openxmlformats.org/drawingml/2006/main" xmlns:p="http://schemas.openxmlformats.org/presentationml/2006/main" xmlns:r="http://schemas.openxmlformats.org/officeDocument/2006/relationships" xmlns:p14="http://schemas.microsoft.com/office/powerpoint/2010/main" xmlns:p15="http://schemas.microsoft.com/office/powerpoint/2012/main" xmlns:mc="http://schemas.openxmlformats.org/markup-compatibility/2006">
+  <p:cSld>
+    <p:spTree>
+      <p:nvGrpSpPr>
+        <p:cNvPr id="1" name=""/>
+        <p:cNvGrpSpPr/>
+        <p:nvPr/>
+      </p:nvGrpSpPr>
+      <p:grpSpPr>
+        <a:xfrm>
+          <a:off x="0" y="0"/>
+          <a:ext cx="0" cy="0"/>
+          <a:chOff x="0" y="0"/>
+          <a:chExt cx="0" cy="0"/>
+        </a:xfrm>
+      </p:grpSpPr>
+      <p:sp>
+        <p:nvSpPr>
+          <p:cNvPr id="126" name="TextShape 1"/>
+          <p:cNvSpPr txBox="1"/>
+          <p:nvPr/>
+        </p:nvSpPr>
+        <p:spPr>
+          <a:xfrm>
+            <a:off x="504000" y="216000"/>
+            <a:ext cx="7020000" cy="936000"/>
+          </a:xfrm>
+          <a:prstGeom prst="rect">
+            <a:avLst/>
+          </a:prstGeom>
+          <a:noFill/>
+          <a:ln>
+            <a:noFill/>
+          </a:ln>
+        </p:spPr>
+        <p:txBody>
+          <a:bodyPr lIns="0" rIns="0" tIns="0" bIns="0" anchor="ctr">
+            <a:noAutofit/>
+          </a:bodyPr>
+          <a:p>
+            <a:r>
+              <a:rPr b="0" lang="en-US" sz="3570" spc="-1" strike="noStrike">
+                <a:solidFill>
+                  <a:srgbClr val="ffffff"/>
+                </a:solidFill>
+                <a:latin typeface="Arial"/>
+              </a:rPr>
+              <a:t>Tài liệu tham khảo</a:t>
+            </a:r>
+            <a:endParaRPr b="0" lang="en-US" sz="3570" spc="-1" strike="noStrike">
+              <a:solidFill>
+                <a:srgbClr val="ffffff"/>
+              </a:solidFill>
+              <a:latin typeface="Arial"/>
+            </a:endParaRPr>
+          </a:p>
+        </p:txBody>
+      </p:sp>
+      <p:sp>
+        <p:nvSpPr>
+          <p:cNvPr id="127" name="TextShape 2"/>
+          <p:cNvSpPr txBox="1"/>
+          <p:nvPr/>
+        </p:nvSpPr>
+        <p:spPr>
+          <a:xfrm>
+            <a:off x="504000" y="1368000"/>
+            <a:ext cx="9072000" cy="3288240"/>
+          </a:xfrm>
+          <a:prstGeom prst="rect">
+            <a:avLst/>
+          </a:prstGeom>
+          <a:noFill/>
+          <a:ln>
+            <a:noFill/>
+          </a:ln>
+        </p:spPr>
+        <p:txBody>
+          <a:bodyPr lIns="0" rIns="0" tIns="0" bIns="0">
+            <a:normAutofit/>
+          </a:bodyPr>
+          <a:p>
+            <a:pPr marL="432000" indent="-324000">
+              <a:spcAft>
+                <a:spcPts val="1148"/>
+              </a:spcAft>
+              <a:buClr>
+                <a:srgbClr val="000000"/>
+              </a:buClr>
+              <a:buSzPct val="45000"/>
+              <a:buFont typeface="Wingdings" charset="2"/>
+              <a:buChar char=""/>
+            </a:pPr>
+            <a:r>
+              <a:rPr b="0" lang="en-US" sz="2600" spc="-1" strike="noStrike">
+                <a:latin typeface="Arial"/>
+              </a:rPr>
+              <a:t>Chapter 5  - Speech and Language Processing 3rd edittion - Daniel Jurafsky &amp; James H. Martin</a:t>
+            </a:r>
+            <a:endParaRPr b="0" lang="en-US" sz="2600" spc="-1" strike="noStrike">
+              <a:latin typeface="Arial"/>
+            </a:endParaRPr>
+          </a:p>
+          <a:p>
+            <a:pPr marL="432000" indent="-324000">
+              <a:spcAft>
+                <a:spcPts val="1148"/>
+              </a:spcAft>
+              <a:buClr>
+                <a:srgbClr val="000000"/>
+              </a:buClr>
+              <a:buSzPct val="45000"/>
+              <a:buFont typeface="Wingdings" charset="2"/>
+              <a:buChar char=""/>
+            </a:pPr>
+            <a:r>
+              <a:rPr b="0" lang="en-US" sz="2600" spc="-1" strike="noStrike">
+                <a:latin typeface="Arial"/>
+              </a:rPr>
+              <a:t>Large Movie Review Dataset - Stanford AI Lab</a:t>
+            </a:r>
+            <a:endParaRPr b="0" lang="en-US" sz="2600" spc="-1" strike="noStrike">
+              <a:latin typeface="Arial"/>
+            </a:endParaRPr>
+          </a:p>
+          <a:p>
+            <a:pPr marL="432000" indent="-324000">
+              <a:spcAft>
+                <a:spcPts val="1148"/>
+              </a:spcAft>
+              <a:buClr>
+                <a:srgbClr val="000000"/>
+              </a:buClr>
+              <a:buSzPct val="45000"/>
+              <a:buFont typeface="Wingdings" charset="2"/>
+              <a:buChar char=""/>
+            </a:pPr>
+            <a:r>
+              <a:rPr b="0" lang="en-US" sz="2600" spc="-1" strike="noStrike">
+                <a:latin typeface="Arial"/>
+                <a:hlinkClick r:id="rId1"/>
+              </a:rPr>
+              <a:t>http://vlsp.org.vn/</a:t>
+            </a:r>
+            <a:r>
+              <a:rPr b="0" lang="en-US" sz="2600" spc="-1" strike="noStrike">
+                <a:latin typeface="Arial"/>
+              </a:rPr>
+              <a:t> - 2019</a:t>
+            </a:r>
+            <a:endParaRPr b="0" lang="en-US" sz="2600" spc="-1" strike="noStrike">
+              <a:latin typeface="Arial"/>
+            </a:endParaRPr>
+          </a:p>
+          <a:p>
+            <a:pPr marL="432000" indent="-324000">
+              <a:spcAft>
+                <a:spcPts val="1148"/>
+              </a:spcAft>
+              <a:buClr>
+                <a:srgbClr val="000000"/>
+              </a:buClr>
+              <a:buSzPct val="45000"/>
+              <a:buFont typeface="Wingdings" charset="2"/>
+              <a:buChar char=""/>
+            </a:pPr>
+            <a:r>
+              <a:rPr b="0" lang="en-US" sz="2600" spc="-1" strike="noStrike">
+                <a:latin typeface="Arial"/>
+                <a:hlinkClick r:id="rId2"/>
+              </a:rPr>
+              <a:t>https://github.com/vncorenlp/VnCoreNLP</a:t>
+            </a:r>
+            <a:r>
+              <a:rPr b="0" lang="en-US" sz="2600" spc="-1" strike="noStrike">
+                <a:latin typeface="Arial"/>
+              </a:rPr>
+              <a:t> - 2019</a:t>
+            </a:r>
+            <a:endParaRPr b="0" lang="en-US" sz="2600" spc="-1" strike="noStrike">
+              <a:latin typeface="Arial"/>
+            </a:endParaRPr>
+          </a:p>
+          <a:p>
+            <a:pPr marL="432000" indent="-324000">
+              <a:spcAft>
+                <a:spcPts val="1148"/>
+              </a:spcAft>
+              <a:buClr>
+                <a:srgbClr val="000000"/>
+              </a:buClr>
+              <a:buSzPct val="45000"/>
+              <a:buFont typeface="Wingdings" charset="2"/>
+              <a:buChar char=""/>
+            </a:pPr>
+            <a:r>
+              <a:rPr b="0" lang="en-US" sz="2600" spc="-1" strike="noStrike">
+                <a:latin typeface="Arial"/>
+              </a:rPr>
+              <a:t>VnEmoLex: A Vietnamese emotion lexicon for sentiment intensity analysis - KTLab</a:t>
+            </a:r>
+            <a:endParaRPr b="0" lang="en-US" sz="2600" spc="-1" strike="noStrike">
+              <a:latin typeface="Arial"/>
+            </a:endParaRPr>
+          </a:p>
+        </p:txBody>
+      </p:sp>
+    </p:spTree>
+  </p:cSld>
+  <mc:AlternateContent>
+    <mc:Choice Requires="p14">
+      <p:transition spd="slow" p14:dur="2000"/>
+    </mc:Choice>
+    <mc:Fallback>
+      <p:transition spd="slow"/>
+    </mc:Fallback>
+  </mc:AlternateContent>
+</p:sld>
+</file>
+
+<file path=ppt/slides/slide27.xml><?xml version="1.0" encoding="utf-8"?>
+<p:sld xmlns:a="http://schemas.openxmlformats.org/drawingml/2006/main" xmlns:p="http://schemas.openxmlformats.org/presentationml/2006/main" xmlns:r="http://schemas.openxmlformats.org/officeDocument/2006/relationships" xmlns:p14="http://schemas.microsoft.com/office/powerpoint/2010/main" xmlns:p15="http://schemas.microsoft.com/office/powerpoint/2012/main" xmlns:mc="http://schemas.openxmlformats.org/markup-compatibility/2006">
+  <p:cSld>
+    <p:spTree>
+      <p:nvGrpSpPr>
+        <p:cNvPr id="1" name=""/>
+        <p:cNvGrpSpPr/>
+        <p:nvPr/>
+      </p:nvGrpSpPr>
+      <p:grpSpPr>
+        <a:xfrm>
+          <a:off x="0" y="0"/>
+          <a:ext cx="0" cy="0"/>
+          <a:chOff x="0" y="0"/>
+          <a:chExt cx="0" cy="0"/>
+        </a:xfrm>
+      </p:grpSpPr>
+      <p:sp>
+        <p:nvSpPr>
+          <p:cNvPr id="128" name="TextShape 1"/>
+          <p:cNvSpPr txBox="1"/>
+          <p:nvPr/>
+        </p:nvSpPr>
+        <p:spPr>
+          <a:xfrm>
+            <a:off x="504000" y="1368000"/>
+            <a:ext cx="9072000" cy="3288240"/>
+          </a:xfrm>
+          <a:prstGeom prst="rect">
+            <a:avLst/>
+          </a:prstGeom>
+          <a:noFill/>
+          <a:ln>
+            <a:noFill/>
+          </a:ln>
+        </p:spPr>
+        <p:txBody>
+          <a:bodyPr lIns="0" rIns="0" tIns="0" bIns="0" anchor="ctr">
+            <a:noAutofit/>
+          </a:bodyPr>
+          <a:p>
+            <a:pPr algn="ctr"/>
+            <a:r>
+              <a:rPr b="0" lang="en-US" sz="3200" spc="-1" strike="noStrike">
+                <a:latin typeface="Arial"/>
+              </a:rPr>
+              <a:t>Cảm ơn vì đã lắng nghe!</a:t>
+            </a:r>
+            <a:endParaRPr b="0" lang="en-US" sz="3200" spc="-1" strike="noStrike">
+              <a:latin typeface="Arial"/>
+            </a:endParaRPr>
+          </a:p>
+        </p:txBody>
+      </p:sp>
+      <p:sp>
+        <p:nvSpPr>
+          <p:cNvPr id="129" name="TextShape 2"/>
+          <p:cNvSpPr txBox="1"/>
+          <p:nvPr/>
+        </p:nvSpPr>
+        <p:spPr>
+          <a:xfrm>
+            <a:off x="504000" y="216000"/>
+            <a:ext cx="7020000" cy="936000"/>
+          </a:xfrm>
+          <a:prstGeom prst="rect">
+            <a:avLst/>
+          </a:prstGeom>
+          <a:noFill/>
+          <a:ln>
+            <a:noFill/>
+          </a:ln>
+        </p:spPr>
+        <p:txBody>
+          <a:bodyPr lIns="0" rIns="0" tIns="0" bIns="0" anchor="ctr">
+            <a:noAutofit/>
+          </a:bodyPr>
+          <a:p>
+            <a:endParaRPr b="0" lang="en-US" sz="3570" spc="-1" strike="noStrike">
+              <a:solidFill>
+                <a:srgbClr val="ffffff"/>
+              </a:solidFill>
+              <a:latin typeface="Arial"/>
+            </a:endParaRPr>
+          </a:p>
+        </p:txBody>
+      </p:sp>
+    </p:spTree>
+  </p:cSld>
+  <mc:AlternateContent>
+    <mc:Choice Requires="p14">
+      <p:transition spd="slow" p14:dur="2000"/>
+    </mc:Choice>
+    <mc:Fallback>
+      <p:transition spd="slow"/>
+    </mc:Fallback>
+  </mc:AlternateContent>
 </p:sld>
 </file>
 
@@ -3852,7 +6439,9 @@
           </a:ln>
         </p:spPr>
         <p:txBody>
-          <a:bodyPr lIns="0" rIns="0" tIns="0" bIns="0" anchor="ctr"/>
+          <a:bodyPr lIns="0" rIns="0" tIns="0" bIns="0" anchor="ctr">
+            <a:noAutofit/>
+          </a:bodyPr>
           <a:p>
             <a:r>
               <a:rPr b="0" lang="en-US" sz="3570" spc="-1" strike="noStrike">
@@ -4245,6 +6834,14 @@
       </p:sp>
     </p:spTree>
   </p:cSld>
+  <mc:AlternateContent>
+    <mc:Choice Requires="p14">
+      <p:transition spd="slow" p14:dur="2000"/>
+    </mc:Choice>
+    <mc:Fallback>
+      <p:transition spd="slow"/>
+    </mc:Fallback>
+  </mc:AlternateContent>
 </p:sld>
 </file>
 
@@ -4285,7 +6882,9 @@
           </a:ln>
         </p:spPr>
         <p:txBody>
-          <a:bodyPr lIns="0" rIns="0" tIns="0" bIns="0" anchor="ctr"/>
+          <a:bodyPr lIns="0" rIns="0" tIns="0" bIns="0" anchor="ctr">
+            <a:noAutofit/>
+          </a:bodyPr>
           <a:p>
             <a:r>
               <a:rPr b="0" lang="en-US" sz="3570" spc="-1" strike="noStrike">
@@ -4326,7 +6925,7 @@
         </p:spPr>
         <p:txBody>
           <a:bodyPr lIns="0" rIns="0" tIns="0" bIns="0">
-            <a:normAutofit/>
+            <a:normAutofit fontScale="85000"/>
           </a:bodyPr>
           <a:p>
             <a:pPr marL="432000" indent="-324000">
@@ -4692,6 +7291,14 @@
       </p:sp>
     </p:spTree>
   </p:cSld>
+  <mc:AlternateContent>
+    <mc:Choice Requires="p14">
+      <p:transition spd="slow" p14:dur="2000"/>
+    </mc:Choice>
+    <mc:Fallback>
+      <p:transition spd="slow"/>
+    </mc:Fallback>
+  </mc:AlternateContent>
 </p:sld>
 </file>
 
@@ -4732,7 +7339,9 @@
           </a:ln>
         </p:spPr>
         <p:txBody>
-          <a:bodyPr lIns="0" rIns="0" tIns="0" bIns="0" anchor="ctr"/>
+          <a:bodyPr lIns="0" rIns="0" tIns="0" bIns="0" anchor="ctr">
+            <a:noAutofit/>
+          </a:bodyPr>
           <a:p>
             <a:r>
               <a:rPr b="0" lang="en-US" sz="3570" spc="-1" strike="noStrike">
@@ -4773,7 +7382,7 @@
         </p:spPr>
         <p:txBody>
           <a:bodyPr lIns="0" rIns="0" tIns="0" bIns="0">
-            <a:normAutofit/>
+            <a:normAutofit fontScale="85000"/>
           </a:bodyPr>
           <a:p>
             <a:pPr marL="432000" indent="-324000">
@@ -5125,6 +7734,14 @@
       </p:sp>
     </p:spTree>
   </p:cSld>
+  <mc:AlternateContent>
+    <mc:Choice Requires="p14">
+      <p:transition spd="slow" p14:dur="2000"/>
+    </mc:Choice>
+    <mc:Fallback>
+      <p:transition spd="slow"/>
+    </mc:Fallback>
+  </mc:AlternateContent>
 </p:sld>
 </file>
 
@@ -5165,7 +7782,9 @@
           </a:ln>
         </p:spPr>
         <p:txBody>
-          <a:bodyPr lIns="0" rIns="0" tIns="0" bIns="0" anchor="ctr"/>
+          <a:bodyPr lIns="0" rIns="0" tIns="0" bIns="0" anchor="ctr">
+            <a:noAutofit/>
+          </a:bodyPr>
           <a:p>
             <a:r>
               <a:rPr b="0" lang="en-US" sz="3570" spc="-1" strike="noStrike">
@@ -5206,7 +7825,7 @@
         </p:spPr>
         <p:txBody>
           <a:bodyPr lIns="0" rIns="0" tIns="0" bIns="0">
-            <a:normAutofit/>
+            <a:normAutofit fontScale="77000"/>
           </a:bodyPr>
           <a:p>
             <a:pPr marL="432000" indent="-324000">
@@ -5764,6 +8383,14 @@
       </mc:AlternateContent>
     </p:spTree>
   </p:cSld>
+  <mc:AlternateContent>
+    <mc:Choice Requires="p14">
+      <p:transition spd="slow" p14:dur="2000"/>
+    </mc:Choice>
+    <mc:Fallback>
+      <p:transition spd="slow"/>
+    </mc:Fallback>
+  </mc:AlternateContent>
 </p:sld>
 </file>
 
@@ -5804,7 +8431,9 @@
           </a:ln>
         </p:spPr>
         <p:txBody>
-          <a:bodyPr lIns="0" rIns="0" tIns="0" bIns="0" anchor="ctr"/>
+          <a:bodyPr lIns="0" rIns="0" tIns="0" bIns="0" anchor="ctr">
+            <a:noAutofit/>
+          </a:bodyPr>
           <a:p>
             <a:r>
               <a:rPr b="0" lang="en-US" sz="3570" spc="-1" strike="noStrike">
@@ -5872,6 +8501,14 @@
       </p:pic>
     </p:spTree>
   </p:cSld>
+  <mc:AlternateContent>
+    <mc:Choice Requires="p14">
+      <p:transition spd="slow" p14:dur="2000"/>
+    </mc:Choice>
+    <mc:Fallback>
+      <p:transition spd="slow"/>
+    </mc:Fallback>
+  </mc:AlternateContent>
 </p:sld>
 </file>
 
@@ -5912,7 +8549,9 @@
           </a:ln>
         </p:spPr>
         <p:txBody>
-          <a:bodyPr lIns="0" rIns="0" tIns="0" bIns="0" anchor="ctr"/>
+          <a:bodyPr lIns="0" rIns="0" tIns="0" bIns="0" anchor="ctr">
+            <a:noAutofit/>
+          </a:bodyPr>
           <a:p>
             <a:r>
               <a:rPr b="0" lang="en-US" sz="3570" spc="-1" strike="noStrike">
@@ -5999,7 +8638,7 @@
         </p:spPr>
         <p:txBody>
           <a:bodyPr lIns="0" rIns="0" tIns="0" bIns="0">
-            <a:normAutofit/>
+            <a:normAutofit fontScale="68000"/>
           </a:bodyPr>
           <a:p>
             <a:pPr marL="432000" indent="-324000">
@@ -6267,6 +8906,14 @@
       </mc:AlternateContent>
     </p:spTree>
   </p:cSld>
+  <mc:AlternateContent>
+    <mc:Choice Requires="p14">
+      <p:transition spd="slow" p14:dur="2000"/>
+    </mc:Choice>
+    <mc:Fallback>
+      <p:transition spd="slow"/>
+    </mc:Fallback>
+  </mc:AlternateContent>
 </p:sld>
 </file>
 
@@ -6307,7 +8954,9 @@
           </a:ln>
         </p:spPr>
         <p:txBody>
-          <a:bodyPr lIns="0" rIns="0" tIns="0" bIns="0" anchor="ctr"/>
+          <a:bodyPr lIns="0" rIns="0" tIns="0" bIns="0" anchor="ctr">
+            <a:noAutofit/>
+          </a:bodyPr>
           <a:p>
             <a:r>
               <a:rPr b="0" lang="en-US" sz="3570" spc="-1" strike="noStrike">
@@ -6614,7 +9263,7 @@
         </p:spPr>
         <p:txBody>
           <a:bodyPr lIns="0" rIns="0" tIns="0" bIns="0">
-            <a:normAutofit/>
+            <a:normAutofit fontScale="86000"/>
           </a:bodyPr>
           <a:p>
             <a:pPr marL="432000" indent="-324000">
@@ -6825,6 +9474,14 @@
       </p:sp>
     </p:spTree>
   </p:cSld>
+  <mc:AlternateContent>
+    <mc:Choice Requires="p14">
+      <p:transition spd="slow" p14:dur="2000"/>
+    </mc:Choice>
+    <mc:Fallback>
+      <p:transition spd="slow"/>
+    </mc:Fallback>
+  </mc:AlternateContent>
 </p:sld>
 </file>
 
@@ -6942,18 +9599,21 @@
             </a:schemeClr>
           </a:solidFill>
           <a:prstDash val="solid"/>
+          <a:miter/>
         </a:ln>
         <a:ln w="25400" cap="flat" cmpd="sng" algn="ctr">
           <a:solidFill>
             <a:schemeClr val="phClr"/>
           </a:solidFill>
           <a:prstDash val="solid"/>
+          <a:miter/>
         </a:ln>
         <a:ln w="38100" cap="flat" cmpd="sng" algn="ctr">
           <a:solidFill>
             <a:schemeClr val="phClr"/>
           </a:solidFill>
           <a:prstDash val="solid"/>
+          <a:miter/>
         </a:ln>
       </a:lnStyleLst>
       <a:effectStyleLst>
